--- a/1_SQL/2_PPT/16_Window Functions/2_Ranking/Ranking.pptx
+++ b/1_SQL/2_PPT/16_Window Functions/2_Ranking/Ranking.pptx
@@ -16,6 +16,9 @@
     <p:sldId id="264" r:id="rId10"/>
     <p:sldId id="265" r:id="rId11"/>
     <p:sldId id="266" r:id="rId12"/>
+    <p:sldId id="267" r:id="rId13"/>
+    <p:sldId id="268" r:id="rId14"/>
+    <p:sldId id="269" r:id="rId15"/>
   </p:sldIdLst>
   <p:sldSz cx="12192000" cy="6858000"/>
   <p:notesSz cx="6858000" cy="9144000"/>
@@ -114,6 +117,11 @@
       </a:defRPr>
     </a:lvl9pPr>
   </p:defaultTextStyle>
+  <p:extLst>
+    <p:ext uri="{EFAFB233-063F-42B5-8137-9DF3F51BA10A}">
+      <p15:sldGuideLst xmlns:p15="http://schemas.microsoft.com/office/powerpoint/2012/main"/>
+    </p:ext>
+  </p:extLst>
 </p:presentation>
 </file>
 
@@ -248,7 +256,7 @@
           <a:p>
             <a:fld id="{676358D9-F76F-46AD-9D6B-2EEC1DAB290B}" type="datetimeFigureOut">
               <a:rPr lang="en-IN" smtClean="0"/>
-              <a:t>15-10-2022</a:t>
+              <a:t>16-10-2022</a:t>
             </a:fld>
             <a:endParaRPr lang="en-IN"/>
           </a:p>
@@ -418,7 +426,7 @@
           <a:p>
             <a:fld id="{676358D9-F76F-46AD-9D6B-2EEC1DAB290B}" type="datetimeFigureOut">
               <a:rPr lang="en-IN" smtClean="0"/>
-              <a:t>15-10-2022</a:t>
+              <a:t>16-10-2022</a:t>
             </a:fld>
             <a:endParaRPr lang="en-IN"/>
           </a:p>
@@ -598,7 +606,7 @@
           <a:p>
             <a:fld id="{676358D9-F76F-46AD-9D6B-2EEC1DAB290B}" type="datetimeFigureOut">
               <a:rPr lang="en-IN" smtClean="0"/>
-              <a:t>15-10-2022</a:t>
+              <a:t>16-10-2022</a:t>
             </a:fld>
             <a:endParaRPr lang="en-IN"/>
           </a:p>
@@ -768,7 +776,7 @@
           <a:p>
             <a:fld id="{676358D9-F76F-46AD-9D6B-2EEC1DAB290B}" type="datetimeFigureOut">
               <a:rPr lang="en-IN" smtClean="0"/>
-              <a:t>15-10-2022</a:t>
+              <a:t>16-10-2022</a:t>
             </a:fld>
             <a:endParaRPr lang="en-IN"/>
           </a:p>
@@ -1014,7 +1022,7 @@
           <a:p>
             <a:fld id="{676358D9-F76F-46AD-9D6B-2EEC1DAB290B}" type="datetimeFigureOut">
               <a:rPr lang="en-IN" smtClean="0"/>
-              <a:t>15-10-2022</a:t>
+              <a:t>16-10-2022</a:t>
             </a:fld>
             <a:endParaRPr lang="en-IN"/>
           </a:p>
@@ -1246,7 +1254,7 @@
           <a:p>
             <a:fld id="{676358D9-F76F-46AD-9D6B-2EEC1DAB290B}" type="datetimeFigureOut">
               <a:rPr lang="en-IN" smtClean="0"/>
-              <a:t>15-10-2022</a:t>
+              <a:t>16-10-2022</a:t>
             </a:fld>
             <a:endParaRPr lang="en-IN"/>
           </a:p>
@@ -1613,7 +1621,7 @@
           <a:p>
             <a:fld id="{676358D9-F76F-46AD-9D6B-2EEC1DAB290B}" type="datetimeFigureOut">
               <a:rPr lang="en-IN" smtClean="0"/>
-              <a:t>15-10-2022</a:t>
+              <a:t>16-10-2022</a:t>
             </a:fld>
             <a:endParaRPr lang="en-IN"/>
           </a:p>
@@ -1731,7 +1739,7 @@
           <a:p>
             <a:fld id="{676358D9-F76F-46AD-9D6B-2EEC1DAB290B}" type="datetimeFigureOut">
               <a:rPr lang="en-IN" smtClean="0"/>
-              <a:t>15-10-2022</a:t>
+              <a:t>16-10-2022</a:t>
             </a:fld>
             <a:endParaRPr lang="en-IN"/>
           </a:p>
@@ -1826,7 +1834,7 @@
           <a:p>
             <a:fld id="{676358D9-F76F-46AD-9D6B-2EEC1DAB290B}" type="datetimeFigureOut">
               <a:rPr lang="en-IN" smtClean="0"/>
-              <a:t>15-10-2022</a:t>
+              <a:t>16-10-2022</a:t>
             </a:fld>
             <a:endParaRPr lang="en-IN"/>
           </a:p>
@@ -2103,7 +2111,7 @@
           <a:p>
             <a:fld id="{676358D9-F76F-46AD-9D6B-2EEC1DAB290B}" type="datetimeFigureOut">
               <a:rPr lang="en-IN" smtClean="0"/>
-              <a:t>15-10-2022</a:t>
+              <a:t>16-10-2022</a:t>
             </a:fld>
             <a:endParaRPr lang="en-IN"/>
           </a:p>
@@ -2356,7 +2364,7 @@
           <a:p>
             <a:fld id="{676358D9-F76F-46AD-9D6B-2EEC1DAB290B}" type="datetimeFigureOut">
               <a:rPr lang="en-IN" smtClean="0"/>
-              <a:t>15-10-2022</a:t>
+              <a:t>16-10-2022</a:t>
             </a:fld>
             <a:endParaRPr lang="en-IN"/>
           </a:p>
@@ -2569,7 +2577,7 @@
           <a:p>
             <a:fld id="{676358D9-F76F-46AD-9D6B-2EEC1DAB290B}" type="datetimeFigureOut">
               <a:rPr lang="en-IN" smtClean="0"/>
-              <a:t>15-10-2022</a:t>
+              <a:t>16-10-2022</a:t>
             </a:fld>
             <a:endParaRPr lang="en-IN"/>
           </a:p>
@@ -2979,7 +2987,7 @@
           <p:cNvPr id="4" name="TextBox 3">
             <a:extLst>
               <a:ext uri="{FF2B5EF4-FFF2-40B4-BE49-F238E27FC236}">
-                <a16:creationId xmlns:a16="http://schemas.microsoft.com/office/drawing/2014/main" xmlns="" id="{083FBBF3-4E40-46C5-B858-3759171FF255}"/>
+                <a16:creationId xmlns="" xmlns:a16="http://schemas.microsoft.com/office/drawing/2014/main" id="{083FBBF3-4E40-46C5-B858-3759171FF255}"/>
               </a:ext>
             </a:extLst>
           </p:cNvPr>
@@ -3045,7 +3053,7 @@
           <p:cNvPr id="4" name="TextBox 3">
             <a:extLst>
               <a:ext uri="{FF2B5EF4-FFF2-40B4-BE49-F238E27FC236}">
-                <a16:creationId xmlns:a16="http://schemas.microsoft.com/office/drawing/2014/main" xmlns="" id="{083FBBF3-4E40-46C5-B858-3759171FF255}"/>
+                <a16:creationId xmlns="" xmlns:a16="http://schemas.microsoft.com/office/drawing/2014/main" id="{083FBBF3-4E40-46C5-B858-3759171FF255}"/>
               </a:ext>
             </a:extLst>
           </p:cNvPr>
@@ -3162,6 +3170,1008 @@
 </p:sld>
 </file>
 
+<file path=ppt/slides/slide12.xml><?xml version="1.0" encoding="utf-8"?>
+<p:sld xmlns:a="http://schemas.openxmlformats.org/drawingml/2006/main" xmlns:r="http://schemas.openxmlformats.org/officeDocument/2006/relationships" xmlns:p="http://schemas.openxmlformats.org/presentationml/2006/main">
+  <p:cSld>
+    <p:spTree>
+      <p:nvGrpSpPr>
+        <p:cNvPr id="1" name=""/>
+        <p:cNvGrpSpPr/>
+        <p:nvPr/>
+      </p:nvGrpSpPr>
+      <p:grpSpPr>
+        <a:xfrm>
+          <a:off x="0" y="0"/>
+          <a:ext cx="0" cy="0"/>
+          <a:chOff x="0" y="0"/>
+          <a:chExt cx="0" cy="0"/>
+        </a:xfrm>
+      </p:grpSpPr>
+      <p:sp>
+        <p:nvSpPr>
+          <p:cNvPr id="4" name="TextBox 3">
+            <a:extLst>
+              <a:ext uri="{FF2B5EF4-FFF2-40B4-BE49-F238E27FC236}">
+                <a16:creationId xmlns="" xmlns:a16="http://schemas.microsoft.com/office/drawing/2014/main" id="{083FBBF3-4E40-46C5-B858-3759171FF255}"/>
+              </a:ext>
+            </a:extLst>
+          </p:cNvPr>
+          <p:cNvSpPr txBox="1"/>
+          <p:nvPr/>
+        </p:nvSpPr>
+        <p:spPr>
+          <a:xfrm>
+            <a:off x="5032313" y="2592926"/>
+            <a:ext cx="1225015" cy="523220"/>
+          </a:xfrm>
+          <a:prstGeom prst="rect">
+            <a:avLst/>
+          </a:prstGeom>
+          <a:noFill/>
+        </p:spPr>
+        <p:txBody>
+          <a:bodyPr wrap="none" rtlCol="0">
+            <a:spAutoFit/>
+          </a:bodyPr>
+          <a:lstStyle/>
+          <a:p>
+            <a:pPr lvl="0">
+              <a:defRPr/>
+            </a:pPr>
+            <a:r>
+              <a:rPr lang="en-IN" sz="2800" dirty="0"/>
+              <a:t>NTILE()</a:t>
+            </a:r>
+            <a:endParaRPr kumimoji="0" lang="en-US" sz="2800" b="0" i="0" u="none" strike="noStrike" kern="1200" cap="none" spc="0" normalizeH="0" baseline="0" noProof="0" dirty="0">
+              <a:ln>
+                <a:noFill/>
+              </a:ln>
+              <a:solidFill>
+                <a:prstClr val="black"/>
+              </a:solidFill>
+              <a:effectLst/>
+              <a:uLnTx/>
+              <a:uFillTx/>
+              <a:latin typeface="Calibri" panose="020F0502020204030204"/>
+              <a:ea typeface="+mn-ea"/>
+              <a:cs typeface="+mn-cs"/>
+            </a:endParaRPr>
+          </a:p>
+        </p:txBody>
+      </p:sp>
+    </p:spTree>
+    <p:extLst>
+      <p:ext uri="{BB962C8B-B14F-4D97-AF65-F5344CB8AC3E}">
+        <p14:creationId xmlns:p14="http://schemas.microsoft.com/office/powerpoint/2010/main" val="2348552381"/>
+      </p:ext>
+    </p:extLst>
+  </p:cSld>
+  <p:clrMapOvr>
+    <a:masterClrMapping/>
+  </p:clrMapOvr>
+</p:sld>
+</file>
+
+<file path=ppt/slides/slide13.xml><?xml version="1.0" encoding="utf-8"?>
+<p:sld xmlns:a="http://schemas.openxmlformats.org/drawingml/2006/main" xmlns:r="http://schemas.openxmlformats.org/officeDocument/2006/relationships" xmlns:p="http://schemas.openxmlformats.org/presentationml/2006/main">
+  <p:cSld>
+    <p:spTree>
+      <p:nvGrpSpPr>
+        <p:cNvPr id="1" name=""/>
+        <p:cNvGrpSpPr/>
+        <p:nvPr/>
+      </p:nvGrpSpPr>
+      <p:grpSpPr>
+        <a:xfrm>
+          <a:off x="0" y="0"/>
+          <a:ext cx="0" cy="0"/>
+          <a:chOff x="0" y="0"/>
+          <a:chExt cx="0" cy="0"/>
+        </a:xfrm>
+      </p:grpSpPr>
+      <p:pic>
+        <p:nvPicPr>
+          <p:cNvPr id="2" name="Picture 1"/>
+          <p:cNvPicPr>
+            <a:picLocks noChangeAspect="1"/>
+          </p:cNvPicPr>
+          <p:nvPr/>
+        </p:nvPicPr>
+        <p:blipFill rotWithShape="1">
+          <a:blip r:embed="rId2"/>
+          <a:srcRect l="1431" t="5795" r="759"/>
+          <a:stretch/>
+        </p:blipFill>
+        <p:spPr>
+          <a:xfrm>
+            <a:off x="309489" y="267286"/>
+            <a:ext cx="5444198" cy="5170254"/>
+          </a:xfrm>
+          <a:prstGeom prst="rect">
+            <a:avLst/>
+          </a:prstGeom>
+          <a:ln w="15875">
+            <a:solidFill>
+              <a:schemeClr val="tx1"/>
+            </a:solidFill>
+          </a:ln>
+        </p:spPr>
+      </p:pic>
+      <p:sp>
+        <p:nvSpPr>
+          <p:cNvPr id="3" name="Rectangle 2"/>
+          <p:cNvSpPr/>
+          <p:nvPr/>
+        </p:nvSpPr>
+        <p:spPr>
+          <a:xfrm>
+            <a:off x="3882683" y="3235569"/>
+            <a:ext cx="1252025" cy="717453"/>
+          </a:xfrm>
+          <a:prstGeom prst="rect">
+            <a:avLst/>
+          </a:prstGeom>
+          <a:noFill/>
+          <a:ln w="15875">
+            <a:solidFill>
+              <a:srgbClr val="FF0000"/>
+            </a:solidFill>
+          </a:ln>
+        </p:spPr>
+        <p:style>
+          <a:lnRef idx="2">
+            <a:schemeClr val="accent1">
+              <a:shade val="50000"/>
+            </a:schemeClr>
+          </a:lnRef>
+          <a:fillRef idx="1">
+            <a:schemeClr val="accent1"/>
+          </a:fillRef>
+          <a:effectRef idx="0">
+            <a:schemeClr val="accent1"/>
+          </a:effectRef>
+          <a:fontRef idx="minor">
+            <a:schemeClr val="lt1"/>
+          </a:fontRef>
+        </p:style>
+        <p:txBody>
+          <a:bodyPr rtlCol="0" anchor="ctr"/>
+          <a:lstStyle/>
+          <a:p>
+            <a:pPr algn="ctr"/>
+            <a:endParaRPr lang="en-IN"/>
+          </a:p>
+        </p:txBody>
+      </p:sp>
+      <p:sp>
+        <p:nvSpPr>
+          <p:cNvPr id="4" name="Rectangle 3"/>
+          <p:cNvSpPr/>
+          <p:nvPr/>
+        </p:nvSpPr>
+        <p:spPr>
+          <a:xfrm>
+            <a:off x="3882682" y="3949691"/>
+            <a:ext cx="1252025" cy="717453"/>
+          </a:xfrm>
+          <a:prstGeom prst="rect">
+            <a:avLst/>
+          </a:prstGeom>
+          <a:noFill/>
+          <a:ln w="15875">
+            <a:solidFill>
+              <a:srgbClr val="FF0000"/>
+            </a:solidFill>
+          </a:ln>
+        </p:spPr>
+        <p:style>
+          <a:lnRef idx="2">
+            <a:schemeClr val="accent1">
+              <a:shade val="50000"/>
+            </a:schemeClr>
+          </a:lnRef>
+          <a:fillRef idx="1">
+            <a:schemeClr val="accent1"/>
+          </a:fillRef>
+          <a:effectRef idx="0">
+            <a:schemeClr val="accent1"/>
+          </a:effectRef>
+          <a:fontRef idx="minor">
+            <a:schemeClr val="lt1"/>
+          </a:fontRef>
+        </p:style>
+        <p:txBody>
+          <a:bodyPr rtlCol="0" anchor="ctr"/>
+          <a:lstStyle/>
+          <a:p>
+            <a:pPr algn="ctr"/>
+            <a:endParaRPr lang="en-IN"/>
+          </a:p>
+        </p:txBody>
+      </p:sp>
+      <p:sp>
+        <p:nvSpPr>
+          <p:cNvPr id="5" name="Rectangle 4"/>
+          <p:cNvSpPr/>
+          <p:nvPr/>
+        </p:nvSpPr>
+        <p:spPr>
+          <a:xfrm>
+            <a:off x="3882682" y="4667144"/>
+            <a:ext cx="1252025" cy="770396"/>
+          </a:xfrm>
+          <a:prstGeom prst="rect">
+            <a:avLst/>
+          </a:prstGeom>
+          <a:noFill/>
+          <a:ln w="15875">
+            <a:solidFill>
+              <a:srgbClr val="FF0000"/>
+            </a:solidFill>
+          </a:ln>
+        </p:spPr>
+        <p:style>
+          <a:lnRef idx="2">
+            <a:schemeClr val="accent1">
+              <a:shade val="50000"/>
+            </a:schemeClr>
+          </a:lnRef>
+          <a:fillRef idx="1">
+            <a:schemeClr val="accent1"/>
+          </a:fillRef>
+          <a:effectRef idx="0">
+            <a:schemeClr val="accent1"/>
+          </a:effectRef>
+          <a:fontRef idx="minor">
+            <a:schemeClr val="lt1"/>
+          </a:fontRef>
+        </p:style>
+        <p:txBody>
+          <a:bodyPr rtlCol="0" anchor="ctr"/>
+          <a:lstStyle/>
+          <a:p>
+            <a:pPr algn="ctr"/>
+            <a:endParaRPr lang="en-IN"/>
+          </a:p>
+        </p:txBody>
+      </p:sp>
+      <p:sp>
+        <p:nvSpPr>
+          <p:cNvPr id="6" name="Rectangle 5"/>
+          <p:cNvSpPr/>
+          <p:nvPr/>
+        </p:nvSpPr>
+        <p:spPr>
+          <a:xfrm>
+            <a:off x="2895600" y="3232238"/>
+            <a:ext cx="987081" cy="1185017"/>
+          </a:xfrm>
+          <a:prstGeom prst="rect">
+            <a:avLst/>
+          </a:prstGeom>
+          <a:noFill/>
+          <a:ln w="15875">
+            <a:solidFill>
+              <a:srgbClr val="FF0000"/>
+            </a:solidFill>
+          </a:ln>
+        </p:spPr>
+        <p:style>
+          <a:lnRef idx="2">
+            <a:schemeClr val="accent1">
+              <a:shade val="50000"/>
+            </a:schemeClr>
+          </a:lnRef>
+          <a:fillRef idx="1">
+            <a:schemeClr val="accent1"/>
+          </a:fillRef>
+          <a:effectRef idx="0">
+            <a:schemeClr val="accent1"/>
+          </a:effectRef>
+          <a:fontRef idx="minor">
+            <a:schemeClr val="lt1"/>
+          </a:fontRef>
+        </p:style>
+        <p:txBody>
+          <a:bodyPr rtlCol="0" anchor="ctr"/>
+          <a:lstStyle/>
+          <a:p>
+            <a:pPr algn="ctr"/>
+            <a:endParaRPr lang="en-IN"/>
+          </a:p>
+        </p:txBody>
+      </p:sp>
+      <p:sp>
+        <p:nvSpPr>
+          <p:cNvPr id="7" name="Rectangle 6"/>
+          <p:cNvSpPr/>
+          <p:nvPr/>
+        </p:nvSpPr>
+        <p:spPr>
+          <a:xfrm>
+            <a:off x="2895599" y="4417255"/>
+            <a:ext cx="987081" cy="1020285"/>
+          </a:xfrm>
+          <a:prstGeom prst="rect">
+            <a:avLst/>
+          </a:prstGeom>
+          <a:noFill/>
+          <a:ln w="15875">
+            <a:solidFill>
+              <a:srgbClr val="FF0000"/>
+            </a:solidFill>
+          </a:ln>
+        </p:spPr>
+        <p:style>
+          <a:lnRef idx="2">
+            <a:schemeClr val="accent1">
+              <a:shade val="50000"/>
+            </a:schemeClr>
+          </a:lnRef>
+          <a:fillRef idx="1">
+            <a:schemeClr val="accent1"/>
+          </a:fillRef>
+          <a:effectRef idx="0">
+            <a:schemeClr val="accent1"/>
+          </a:effectRef>
+          <a:fontRef idx="minor">
+            <a:schemeClr val="lt1"/>
+          </a:fontRef>
+        </p:style>
+        <p:txBody>
+          <a:bodyPr rtlCol="0" anchor="ctr"/>
+          <a:lstStyle/>
+          <a:p>
+            <a:pPr algn="ctr"/>
+            <a:endParaRPr lang="en-IN"/>
+          </a:p>
+        </p:txBody>
+      </p:sp>
+      <p:sp>
+        <p:nvSpPr>
+          <p:cNvPr id="8" name="Rectangle 7"/>
+          <p:cNvSpPr/>
+          <p:nvPr/>
+        </p:nvSpPr>
+        <p:spPr>
+          <a:xfrm>
+            <a:off x="2016372" y="3232237"/>
+            <a:ext cx="879226" cy="2205303"/>
+          </a:xfrm>
+          <a:prstGeom prst="rect">
+            <a:avLst/>
+          </a:prstGeom>
+          <a:noFill/>
+          <a:ln w="15875">
+            <a:solidFill>
+              <a:srgbClr val="FF0000"/>
+            </a:solidFill>
+          </a:ln>
+        </p:spPr>
+        <p:style>
+          <a:lnRef idx="2">
+            <a:schemeClr val="accent1">
+              <a:shade val="50000"/>
+            </a:schemeClr>
+          </a:lnRef>
+          <a:fillRef idx="1">
+            <a:schemeClr val="accent1"/>
+          </a:fillRef>
+          <a:effectRef idx="0">
+            <a:schemeClr val="accent1"/>
+          </a:effectRef>
+          <a:fontRef idx="minor">
+            <a:schemeClr val="lt1"/>
+          </a:fontRef>
+        </p:style>
+        <p:txBody>
+          <a:bodyPr rtlCol="0" anchor="ctr"/>
+          <a:lstStyle/>
+          <a:p>
+            <a:pPr algn="ctr"/>
+            <a:endParaRPr lang="en-IN"/>
+          </a:p>
+        </p:txBody>
+      </p:sp>
+    </p:spTree>
+    <p:extLst>
+      <p:ext uri="{BB962C8B-B14F-4D97-AF65-F5344CB8AC3E}">
+        <p14:creationId xmlns:p14="http://schemas.microsoft.com/office/powerpoint/2010/main" val="4116336087"/>
+      </p:ext>
+    </p:extLst>
+  </p:cSld>
+  <p:clrMapOvr>
+    <a:masterClrMapping/>
+  </p:clrMapOvr>
+</p:sld>
+</file>
+
+<file path=ppt/slides/slide14.xml><?xml version="1.0" encoding="utf-8"?>
+<p:sld xmlns:a="http://schemas.openxmlformats.org/drawingml/2006/main" xmlns:r="http://schemas.openxmlformats.org/officeDocument/2006/relationships" xmlns:p="http://schemas.openxmlformats.org/presentationml/2006/main">
+  <p:cSld>
+    <p:spTree>
+      <p:nvGrpSpPr>
+        <p:cNvPr id="1" name=""/>
+        <p:cNvGrpSpPr/>
+        <p:nvPr/>
+      </p:nvGrpSpPr>
+      <p:grpSpPr>
+        <a:xfrm>
+          <a:off x="0" y="0"/>
+          <a:ext cx="0" cy="0"/>
+          <a:chOff x="0" y="0"/>
+          <a:chExt cx="0" cy="0"/>
+        </a:xfrm>
+      </p:grpSpPr>
+      <p:pic>
+        <p:nvPicPr>
+          <p:cNvPr id="4" name="Picture 3"/>
+          <p:cNvPicPr>
+            <a:picLocks noChangeAspect="1"/>
+          </p:cNvPicPr>
+          <p:nvPr/>
+        </p:nvPicPr>
+        <p:blipFill>
+          <a:blip r:embed="rId2"/>
+          <a:stretch>
+            <a:fillRect/>
+          </a:stretch>
+        </p:blipFill>
+        <p:spPr>
+          <a:xfrm>
+            <a:off x="338357" y="306191"/>
+            <a:ext cx="702652" cy="4957600"/>
+          </a:xfrm>
+          <a:prstGeom prst="rect">
+            <a:avLst/>
+          </a:prstGeom>
+          <a:ln w="15875">
+            <a:solidFill>
+              <a:schemeClr val="tx1"/>
+            </a:solidFill>
+          </a:ln>
+        </p:spPr>
+      </p:pic>
+      <p:cxnSp>
+        <p:nvCxnSpPr>
+          <p:cNvPr id="6" name="Straight Arrow Connector 5"/>
+          <p:cNvCxnSpPr/>
+          <p:nvPr/>
+        </p:nvCxnSpPr>
+        <p:spPr>
+          <a:xfrm>
+            <a:off x="1209822" y="2743200"/>
+            <a:ext cx="562707" cy="0"/>
+          </a:xfrm>
+          <a:prstGeom prst="straightConnector1">
+            <a:avLst/>
+          </a:prstGeom>
+          <a:ln w="38100">
+            <a:solidFill>
+              <a:srgbClr val="FF0000"/>
+            </a:solidFill>
+            <a:tailEnd type="arrow"/>
+          </a:ln>
+        </p:spPr>
+        <p:style>
+          <a:lnRef idx="1">
+            <a:schemeClr val="accent1"/>
+          </a:lnRef>
+          <a:fillRef idx="0">
+            <a:schemeClr val="accent1"/>
+          </a:fillRef>
+          <a:effectRef idx="0">
+            <a:schemeClr val="accent1"/>
+          </a:effectRef>
+          <a:fontRef idx="minor">
+            <a:schemeClr val="tx1"/>
+          </a:fontRef>
+        </p:style>
+      </p:cxnSp>
+      <p:pic>
+        <p:nvPicPr>
+          <p:cNvPr id="7" name="Picture 6"/>
+          <p:cNvPicPr>
+            <a:picLocks noChangeAspect="1"/>
+          </p:cNvPicPr>
+          <p:nvPr/>
+        </p:nvPicPr>
+        <p:blipFill>
+          <a:blip r:embed="rId3"/>
+          <a:stretch>
+            <a:fillRect/>
+          </a:stretch>
+        </p:blipFill>
+        <p:spPr>
+          <a:xfrm>
+            <a:off x="1941342" y="306191"/>
+            <a:ext cx="1596734" cy="4957600"/>
+          </a:xfrm>
+          <a:prstGeom prst="rect">
+            <a:avLst/>
+          </a:prstGeom>
+          <a:ln w="15875">
+            <a:solidFill>
+              <a:schemeClr val="tx1"/>
+            </a:solidFill>
+          </a:ln>
+        </p:spPr>
+      </p:pic>
+      <p:sp>
+        <p:nvSpPr>
+          <p:cNvPr id="8" name="Rectangle 7"/>
+          <p:cNvSpPr/>
+          <p:nvPr/>
+        </p:nvSpPr>
+        <p:spPr>
+          <a:xfrm>
+            <a:off x="2525205" y="759655"/>
+            <a:ext cx="1012872" cy="1772530"/>
+          </a:xfrm>
+          <a:prstGeom prst="rect">
+            <a:avLst/>
+          </a:prstGeom>
+          <a:noFill/>
+          <a:ln w="15875">
+            <a:solidFill>
+              <a:srgbClr val="FF0000"/>
+            </a:solidFill>
+          </a:ln>
+        </p:spPr>
+        <p:style>
+          <a:lnRef idx="2">
+            <a:schemeClr val="accent1">
+              <a:shade val="50000"/>
+            </a:schemeClr>
+          </a:lnRef>
+          <a:fillRef idx="1">
+            <a:schemeClr val="accent1"/>
+          </a:fillRef>
+          <a:effectRef idx="0">
+            <a:schemeClr val="accent1"/>
+          </a:effectRef>
+          <a:fontRef idx="minor">
+            <a:schemeClr val="lt1"/>
+          </a:fontRef>
+        </p:style>
+        <p:txBody>
+          <a:bodyPr rtlCol="0" anchor="ctr"/>
+          <a:lstStyle/>
+          <a:p>
+            <a:pPr algn="ctr"/>
+            <a:endParaRPr lang="en-IN"/>
+          </a:p>
+        </p:txBody>
+      </p:sp>
+      <p:sp>
+        <p:nvSpPr>
+          <p:cNvPr id="9" name="Rectangle 8"/>
+          <p:cNvSpPr/>
+          <p:nvPr/>
+        </p:nvSpPr>
+        <p:spPr>
+          <a:xfrm>
+            <a:off x="2525204" y="2532185"/>
+            <a:ext cx="1012872" cy="1378633"/>
+          </a:xfrm>
+          <a:prstGeom prst="rect">
+            <a:avLst/>
+          </a:prstGeom>
+          <a:noFill/>
+          <a:ln w="15875">
+            <a:solidFill>
+              <a:srgbClr val="FF0000"/>
+            </a:solidFill>
+          </a:ln>
+        </p:spPr>
+        <p:style>
+          <a:lnRef idx="2">
+            <a:schemeClr val="accent1">
+              <a:shade val="50000"/>
+            </a:schemeClr>
+          </a:lnRef>
+          <a:fillRef idx="1">
+            <a:schemeClr val="accent1"/>
+          </a:fillRef>
+          <a:effectRef idx="0">
+            <a:schemeClr val="accent1"/>
+          </a:effectRef>
+          <a:fontRef idx="minor">
+            <a:schemeClr val="lt1"/>
+          </a:fontRef>
+        </p:style>
+        <p:txBody>
+          <a:bodyPr rtlCol="0" anchor="ctr"/>
+          <a:lstStyle/>
+          <a:p>
+            <a:pPr algn="ctr"/>
+            <a:endParaRPr lang="en-IN"/>
+          </a:p>
+        </p:txBody>
+      </p:sp>
+      <p:sp>
+        <p:nvSpPr>
+          <p:cNvPr id="10" name="Rectangle 9"/>
+          <p:cNvSpPr/>
+          <p:nvPr/>
+        </p:nvSpPr>
+        <p:spPr>
+          <a:xfrm>
+            <a:off x="2525204" y="3910818"/>
+            <a:ext cx="1012872" cy="1340143"/>
+          </a:xfrm>
+          <a:prstGeom prst="rect">
+            <a:avLst/>
+          </a:prstGeom>
+          <a:noFill/>
+          <a:ln w="15875">
+            <a:solidFill>
+              <a:srgbClr val="FF0000"/>
+            </a:solidFill>
+          </a:ln>
+        </p:spPr>
+        <p:style>
+          <a:lnRef idx="2">
+            <a:schemeClr val="accent1">
+              <a:shade val="50000"/>
+            </a:schemeClr>
+          </a:lnRef>
+          <a:fillRef idx="1">
+            <a:schemeClr val="accent1"/>
+          </a:fillRef>
+          <a:effectRef idx="0">
+            <a:schemeClr val="accent1"/>
+          </a:effectRef>
+          <a:fontRef idx="minor">
+            <a:schemeClr val="lt1"/>
+          </a:fontRef>
+        </p:style>
+        <p:txBody>
+          <a:bodyPr rtlCol="0" anchor="ctr"/>
+          <a:lstStyle/>
+          <a:p>
+            <a:pPr algn="ctr"/>
+            <a:endParaRPr lang="en-IN"/>
+          </a:p>
+        </p:txBody>
+      </p:sp>
+      <p:pic>
+        <p:nvPicPr>
+          <p:cNvPr id="11" name="Picture 10"/>
+          <p:cNvPicPr>
+            <a:picLocks noChangeAspect="1"/>
+          </p:cNvPicPr>
+          <p:nvPr/>
+        </p:nvPicPr>
+        <p:blipFill>
+          <a:blip r:embed="rId4"/>
+          <a:stretch>
+            <a:fillRect/>
+          </a:stretch>
+        </p:blipFill>
+        <p:spPr>
+          <a:xfrm>
+            <a:off x="5983752" y="306191"/>
+            <a:ext cx="1605072" cy="4957600"/>
+          </a:xfrm>
+          <a:prstGeom prst="rect">
+            <a:avLst/>
+          </a:prstGeom>
+          <a:ln w="15875">
+            <a:solidFill>
+              <a:schemeClr val="tx1"/>
+            </a:solidFill>
+          </a:ln>
+        </p:spPr>
+      </p:pic>
+      <p:pic>
+        <p:nvPicPr>
+          <p:cNvPr id="12" name="Picture 11"/>
+          <p:cNvPicPr>
+            <a:picLocks noChangeAspect="1"/>
+          </p:cNvPicPr>
+          <p:nvPr/>
+        </p:nvPicPr>
+        <p:blipFill>
+          <a:blip r:embed="rId2"/>
+          <a:stretch>
+            <a:fillRect/>
+          </a:stretch>
+        </p:blipFill>
+        <p:spPr>
+          <a:xfrm>
+            <a:off x="4389104" y="306191"/>
+            <a:ext cx="702652" cy="4957600"/>
+          </a:xfrm>
+          <a:prstGeom prst="rect">
+            <a:avLst/>
+          </a:prstGeom>
+          <a:ln w="15875">
+            <a:solidFill>
+              <a:schemeClr val="tx1"/>
+            </a:solidFill>
+          </a:ln>
+        </p:spPr>
+      </p:pic>
+      <p:cxnSp>
+        <p:nvCxnSpPr>
+          <p:cNvPr id="13" name="Straight Arrow Connector 12"/>
+          <p:cNvCxnSpPr/>
+          <p:nvPr/>
+        </p:nvCxnSpPr>
+        <p:spPr>
+          <a:xfrm>
+            <a:off x="5260569" y="2743200"/>
+            <a:ext cx="562707" cy="0"/>
+          </a:xfrm>
+          <a:prstGeom prst="straightConnector1">
+            <a:avLst/>
+          </a:prstGeom>
+          <a:ln w="38100">
+            <a:solidFill>
+              <a:srgbClr val="FF0000"/>
+            </a:solidFill>
+            <a:tailEnd type="arrow"/>
+          </a:ln>
+        </p:spPr>
+        <p:style>
+          <a:lnRef idx="1">
+            <a:schemeClr val="accent1"/>
+          </a:lnRef>
+          <a:fillRef idx="0">
+            <a:schemeClr val="accent1"/>
+          </a:fillRef>
+          <a:effectRef idx="0">
+            <a:schemeClr val="accent1"/>
+          </a:effectRef>
+          <a:fontRef idx="minor">
+            <a:schemeClr val="tx1"/>
+          </a:fontRef>
+        </p:style>
+      </p:cxnSp>
+      <p:sp>
+        <p:nvSpPr>
+          <p:cNvPr id="14" name="Rectangle 13"/>
+          <p:cNvSpPr/>
+          <p:nvPr/>
+        </p:nvSpPr>
+        <p:spPr>
+          <a:xfrm>
+            <a:off x="6575952" y="759655"/>
+            <a:ext cx="1012872" cy="886265"/>
+          </a:xfrm>
+          <a:prstGeom prst="rect">
+            <a:avLst/>
+          </a:prstGeom>
+          <a:noFill/>
+          <a:ln w="15875">
+            <a:solidFill>
+              <a:srgbClr val="FF0000"/>
+            </a:solidFill>
+          </a:ln>
+        </p:spPr>
+        <p:style>
+          <a:lnRef idx="2">
+            <a:schemeClr val="accent1">
+              <a:shade val="50000"/>
+            </a:schemeClr>
+          </a:lnRef>
+          <a:fillRef idx="1">
+            <a:schemeClr val="accent1"/>
+          </a:fillRef>
+          <a:effectRef idx="0">
+            <a:schemeClr val="accent1"/>
+          </a:effectRef>
+          <a:fontRef idx="minor">
+            <a:schemeClr val="lt1"/>
+          </a:fontRef>
+        </p:style>
+        <p:txBody>
+          <a:bodyPr rtlCol="0" anchor="ctr"/>
+          <a:lstStyle/>
+          <a:p>
+            <a:pPr algn="ctr"/>
+            <a:endParaRPr lang="en-IN"/>
+          </a:p>
+        </p:txBody>
+      </p:sp>
+      <p:sp>
+        <p:nvSpPr>
+          <p:cNvPr id="15" name="Rectangle 14"/>
+          <p:cNvSpPr/>
+          <p:nvPr/>
+        </p:nvSpPr>
+        <p:spPr>
+          <a:xfrm>
+            <a:off x="6575952" y="1642183"/>
+            <a:ext cx="1012872" cy="886265"/>
+          </a:xfrm>
+          <a:prstGeom prst="rect">
+            <a:avLst/>
+          </a:prstGeom>
+          <a:noFill/>
+          <a:ln w="15875">
+            <a:solidFill>
+              <a:srgbClr val="FF0000"/>
+            </a:solidFill>
+          </a:ln>
+        </p:spPr>
+        <p:style>
+          <a:lnRef idx="2">
+            <a:schemeClr val="accent1">
+              <a:shade val="50000"/>
+            </a:schemeClr>
+          </a:lnRef>
+          <a:fillRef idx="1">
+            <a:schemeClr val="accent1"/>
+          </a:fillRef>
+          <a:effectRef idx="0">
+            <a:schemeClr val="accent1"/>
+          </a:effectRef>
+          <a:fontRef idx="minor">
+            <a:schemeClr val="lt1"/>
+          </a:fontRef>
+        </p:style>
+        <p:txBody>
+          <a:bodyPr rtlCol="0" anchor="ctr"/>
+          <a:lstStyle/>
+          <a:p>
+            <a:pPr algn="ctr"/>
+            <a:endParaRPr lang="en-IN"/>
+          </a:p>
+        </p:txBody>
+      </p:sp>
+      <p:sp>
+        <p:nvSpPr>
+          <p:cNvPr id="16" name="Rectangle 15"/>
+          <p:cNvSpPr/>
+          <p:nvPr/>
+        </p:nvSpPr>
+        <p:spPr>
+          <a:xfrm>
+            <a:off x="6575952" y="2538779"/>
+            <a:ext cx="1012872" cy="886265"/>
+          </a:xfrm>
+          <a:prstGeom prst="rect">
+            <a:avLst/>
+          </a:prstGeom>
+          <a:noFill/>
+          <a:ln w="15875">
+            <a:solidFill>
+              <a:srgbClr val="FF0000"/>
+            </a:solidFill>
+          </a:ln>
+        </p:spPr>
+        <p:style>
+          <a:lnRef idx="2">
+            <a:schemeClr val="accent1">
+              <a:shade val="50000"/>
+            </a:schemeClr>
+          </a:lnRef>
+          <a:fillRef idx="1">
+            <a:schemeClr val="accent1"/>
+          </a:fillRef>
+          <a:effectRef idx="0">
+            <a:schemeClr val="accent1"/>
+          </a:effectRef>
+          <a:fontRef idx="minor">
+            <a:schemeClr val="lt1"/>
+          </a:fontRef>
+        </p:style>
+        <p:txBody>
+          <a:bodyPr rtlCol="0" anchor="ctr"/>
+          <a:lstStyle/>
+          <a:p>
+            <a:pPr algn="ctr"/>
+            <a:endParaRPr lang="en-IN"/>
+          </a:p>
+        </p:txBody>
+      </p:sp>
+      <p:sp>
+        <p:nvSpPr>
+          <p:cNvPr id="17" name="Rectangle 16"/>
+          <p:cNvSpPr/>
+          <p:nvPr/>
+        </p:nvSpPr>
+        <p:spPr>
+          <a:xfrm>
+            <a:off x="6575952" y="3425044"/>
+            <a:ext cx="1012872" cy="886265"/>
+          </a:xfrm>
+          <a:prstGeom prst="rect">
+            <a:avLst/>
+          </a:prstGeom>
+          <a:noFill/>
+          <a:ln w="15875">
+            <a:solidFill>
+              <a:srgbClr val="FF0000"/>
+            </a:solidFill>
+          </a:ln>
+        </p:spPr>
+        <p:style>
+          <a:lnRef idx="2">
+            <a:schemeClr val="accent1">
+              <a:shade val="50000"/>
+            </a:schemeClr>
+          </a:lnRef>
+          <a:fillRef idx="1">
+            <a:schemeClr val="accent1"/>
+          </a:fillRef>
+          <a:effectRef idx="0">
+            <a:schemeClr val="accent1"/>
+          </a:effectRef>
+          <a:fontRef idx="minor">
+            <a:schemeClr val="lt1"/>
+          </a:fontRef>
+        </p:style>
+        <p:txBody>
+          <a:bodyPr rtlCol="0" anchor="ctr"/>
+          <a:lstStyle/>
+          <a:p>
+            <a:pPr algn="ctr"/>
+            <a:endParaRPr lang="en-IN"/>
+          </a:p>
+        </p:txBody>
+      </p:sp>
+      <p:sp>
+        <p:nvSpPr>
+          <p:cNvPr id="18" name="Rectangle 17"/>
+          <p:cNvSpPr/>
+          <p:nvPr/>
+        </p:nvSpPr>
+        <p:spPr>
+          <a:xfrm>
+            <a:off x="6573953" y="4311309"/>
+            <a:ext cx="1012872" cy="952482"/>
+          </a:xfrm>
+          <a:prstGeom prst="rect">
+            <a:avLst/>
+          </a:prstGeom>
+          <a:noFill/>
+          <a:ln w="15875">
+            <a:solidFill>
+              <a:srgbClr val="FF0000"/>
+            </a:solidFill>
+          </a:ln>
+        </p:spPr>
+        <p:style>
+          <a:lnRef idx="2">
+            <a:schemeClr val="accent1">
+              <a:shade val="50000"/>
+            </a:schemeClr>
+          </a:lnRef>
+          <a:fillRef idx="1">
+            <a:schemeClr val="accent1"/>
+          </a:fillRef>
+          <a:effectRef idx="0">
+            <a:schemeClr val="accent1"/>
+          </a:effectRef>
+          <a:fontRef idx="minor">
+            <a:schemeClr val="lt1"/>
+          </a:fontRef>
+        </p:style>
+        <p:txBody>
+          <a:bodyPr rtlCol="0" anchor="ctr"/>
+          <a:lstStyle/>
+          <a:p>
+            <a:pPr algn="ctr"/>
+            <a:endParaRPr lang="en-IN"/>
+          </a:p>
+        </p:txBody>
+      </p:sp>
+    </p:spTree>
+    <p:extLst>
+      <p:ext uri="{BB962C8B-B14F-4D97-AF65-F5344CB8AC3E}">
+        <p14:creationId xmlns:p14="http://schemas.microsoft.com/office/powerpoint/2010/main" val="1285461720"/>
+      </p:ext>
+    </p:extLst>
+  </p:cSld>
+  <p:clrMapOvr>
+    <a:masterClrMapping/>
+  </p:clrMapOvr>
+</p:sld>
+</file>
+
 <file path=ppt/slides/slide2.xml><?xml version="1.0" encoding="utf-8"?>
 <p:sld xmlns:a="http://schemas.openxmlformats.org/drawingml/2006/main" xmlns:r="http://schemas.openxmlformats.org/officeDocument/2006/relationships" xmlns:p="http://schemas.openxmlformats.org/presentationml/2006/main">
   <p:cSld>
@@ -3184,7 +4194,7 @@
           <p:cNvPr id="8" name="Picture 7">
             <a:extLst>
               <a:ext uri="{FF2B5EF4-FFF2-40B4-BE49-F238E27FC236}">
-                <a16:creationId xmlns:a16="http://schemas.microsoft.com/office/drawing/2014/main" xmlns="" id="{372936A1-192D-4B19-A6D9-E2092AEE3EA3}"/>
+                <a16:creationId xmlns="" xmlns:a16="http://schemas.microsoft.com/office/drawing/2014/main" id="{372936A1-192D-4B19-A6D9-E2092AEE3EA3}"/>
               </a:ext>
             </a:extLst>
           </p:cNvPr>
@@ -3218,7 +4228,7 @@
           <p:cNvPr id="9" name="TextBox 8">
             <a:extLst>
               <a:ext uri="{FF2B5EF4-FFF2-40B4-BE49-F238E27FC236}">
-                <a16:creationId xmlns:a16="http://schemas.microsoft.com/office/drawing/2014/main" xmlns="" id="{C6E42B2F-E04B-4C4D-91DA-9F10D023932E}"/>
+                <a16:creationId xmlns="" xmlns:a16="http://schemas.microsoft.com/office/drawing/2014/main" id="{C6E42B2F-E04B-4C4D-91DA-9F10D023932E}"/>
               </a:ext>
             </a:extLst>
           </p:cNvPr>
@@ -3258,7 +4268,7 @@
           <p:cNvPr id="11" name="Picture 10">
             <a:extLst>
               <a:ext uri="{FF2B5EF4-FFF2-40B4-BE49-F238E27FC236}">
-                <a16:creationId xmlns:a16="http://schemas.microsoft.com/office/drawing/2014/main" xmlns="" id="{94EDA909-FC1B-4571-B219-273505327D89}"/>
+                <a16:creationId xmlns="" xmlns:a16="http://schemas.microsoft.com/office/drawing/2014/main" id="{94EDA909-FC1B-4571-B219-273505327D89}"/>
               </a:ext>
             </a:extLst>
           </p:cNvPr>
@@ -3322,7 +4332,7 @@
           <p:cNvPr id="3" name="Picture 2">
             <a:extLst>
               <a:ext uri="{FF2B5EF4-FFF2-40B4-BE49-F238E27FC236}">
-                <a16:creationId xmlns:a16="http://schemas.microsoft.com/office/drawing/2014/main" xmlns="" id="{311FB5B5-08E9-41B1-834C-E92E1EED90B4}"/>
+                <a16:creationId xmlns="" xmlns:a16="http://schemas.microsoft.com/office/drawing/2014/main" id="{311FB5B5-08E9-41B1-834C-E92E1EED90B4}"/>
               </a:ext>
             </a:extLst>
           </p:cNvPr>
@@ -3356,7 +4366,7 @@
           <p:cNvPr id="4" name="Picture 3">
             <a:extLst>
               <a:ext uri="{FF2B5EF4-FFF2-40B4-BE49-F238E27FC236}">
-                <a16:creationId xmlns:a16="http://schemas.microsoft.com/office/drawing/2014/main" xmlns="" id="{61809816-BEFB-4527-89F0-8E9E52DDD171}"/>
+                <a16:creationId xmlns="" xmlns:a16="http://schemas.microsoft.com/office/drawing/2014/main" id="{61809816-BEFB-4527-89F0-8E9E52DDD171}"/>
               </a:ext>
             </a:extLst>
           </p:cNvPr>
@@ -3390,7 +4400,7 @@
           <p:cNvPr id="2" name="TextBox 1">
             <a:extLst>
               <a:ext uri="{FF2B5EF4-FFF2-40B4-BE49-F238E27FC236}">
-                <a16:creationId xmlns:a16="http://schemas.microsoft.com/office/drawing/2014/main" xmlns="" id="{236C618B-A7EE-4772-9AA1-9A2E44FCA263}"/>
+                <a16:creationId xmlns="" xmlns:a16="http://schemas.microsoft.com/office/drawing/2014/main" id="{236C618B-A7EE-4772-9AA1-9A2E44FCA263}"/>
               </a:ext>
             </a:extLst>
           </p:cNvPr>
@@ -3460,7 +4470,7 @@
           <p:cNvPr id="3" name="Picture 2">
             <a:extLst>
               <a:ext uri="{FF2B5EF4-FFF2-40B4-BE49-F238E27FC236}">
-                <a16:creationId xmlns:a16="http://schemas.microsoft.com/office/drawing/2014/main" xmlns="" id="{CA3D680D-56E5-46E4-85FB-31FF516360EB}"/>
+                <a16:creationId xmlns="" xmlns:a16="http://schemas.microsoft.com/office/drawing/2014/main" id="{CA3D680D-56E5-46E4-85FB-31FF516360EB}"/>
               </a:ext>
             </a:extLst>
           </p:cNvPr>
@@ -3494,7 +4504,7 @@
           <p:cNvPr id="5" name="Picture 4">
             <a:extLst>
               <a:ext uri="{FF2B5EF4-FFF2-40B4-BE49-F238E27FC236}">
-                <a16:creationId xmlns:a16="http://schemas.microsoft.com/office/drawing/2014/main" xmlns="" id="{3AE8C498-83C2-4F6E-BAC2-45865D041512}"/>
+                <a16:creationId xmlns="" xmlns:a16="http://schemas.microsoft.com/office/drawing/2014/main" id="{3AE8C498-83C2-4F6E-BAC2-45865D041512}"/>
               </a:ext>
             </a:extLst>
           </p:cNvPr>
@@ -3558,7 +4568,7 @@
           <p:cNvPr id="7" name="Picture 6">
             <a:extLst>
               <a:ext uri="{FF2B5EF4-FFF2-40B4-BE49-F238E27FC236}">
-                <a16:creationId xmlns:a16="http://schemas.microsoft.com/office/drawing/2014/main" xmlns="" id="{6ED39B3F-93D3-4609-BF29-C37F986AB91E}"/>
+                <a16:creationId xmlns="" xmlns:a16="http://schemas.microsoft.com/office/drawing/2014/main" id="{6ED39B3F-93D3-4609-BF29-C37F986AB91E}"/>
               </a:ext>
             </a:extLst>
           </p:cNvPr>
@@ -3588,7 +4598,7 @@
           <p:cNvPr id="9" name="Picture 8">
             <a:extLst>
               <a:ext uri="{FF2B5EF4-FFF2-40B4-BE49-F238E27FC236}">
-                <a16:creationId xmlns:a16="http://schemas.microsoft.com/office/drawing/2014/main" xmlns="" id="{68BF1FFD-059D-4D8E-82F9-6FCF51096852}"/>
+                <a16:creationId xmlns="" xmlns:a16="http://schemas.microsoft.com/office/drawing/2014/main" id="{68BF1FFD-059D-4D8E-82F9-6FCF51096852}"/>
               </a:ext>
             </a:extLst>
           </p:cNvPr>
@@ -3622,7 +4632,7 @@
           <p:cNvPr id="11" name="Picture 10">
             <a:extLst>
               <a:ext uri="{FF2B5EF4-FFF2-40B4-BE49-F238E27FC236}">
-                <a16:creationId xmlns:a16="http://schemas.microsoft.com/office/drawing/2014/main" xmlns="" id="{DB4CCB0A-15FF-4961-BE30-8FB3C8EB6CA6}"/>
+                <a16:creationId xmlns="" xmlns:a16="http://schemas.microsoft.com/office/drawing/2014/main" id="{DB4CCB0A-15FF-4961-BE30-8FB3C8EB6CA6}"/>
               </a:ext>
             </a:extLst>
           </p:cNvPr>
@@ -3656,7 +4666,7 @@
           <p:cNvPr id="2" name="TextBox 1">
             <a:extLst>
               <a:ext uri="{FF2B5EF4-FFF2-40B4-BE49-F238E27FC236}">
-                <a16:creationId xmlns:a16="http://schemas.microsoft.com/office/drawing/2014/main" xmlns="" id="{3993A444-90E3-4983-8771-AF286CC9B645}"/>
+                <a16:creationId xmlns="" xmlns:a16="http://schemas.microsoft.com/office/drawing/2014/main" id="{3993A444-90E3-4983-8771-AF286CC9B645}"/>
               </a:ext>
             </a:extLst>
           </p:cNvPr>
@@ -3699,7 +4709,7 @@
           <p:cNvPr id="3" name="Rectangle 2">
             <a:extLst>
               <a:ext uri="{FF2B5EF4-FFF2-40B4-BE49-F238E27FC236}">
-                <a16:creationId xmlns:a16="http://schemas.microsoft.com/office/drawing/2014/main" xmlns="" id="{7A2DC380-7FE8-4A34-AB0E-50264B2D14AF}"/>
+                <a16:creationId xmlns="" xmlns:a16="http://schemas.microsoft.com/office/drawing/2014/main" id="{7A2DC380-7FE8-4A34-AB0E-50264B2D14AF}"/>
               </a:ext>
             </a:extLst>
           </p:cNvPr>
@@ -3751,7 +4761,7 @@
           <p:cNvPr id="8" name="Rectangle 7">
             <a:extLst>
               <a:ext uri="{FF2B5EF4-FFF2-40B4-BE49-F238E27FC236}">
-                <a16:creationId xmlns:a16="http://schemas.microsoft.com/office/drawing/2014/main" xmlns="" id="{696AEABC-33CF-4642-BF91-6216E8E1E4BE}"/>
+                <a16:creationId xmlns="" xmlns:a16="http://schemas.microsoft.com/office/drawing/2014/main" id="{696AEABC-33CF-4642-BF91-6216E8E1E4BE}"/>
               </a:ext>
             </a:extLst>
           </p:cNvPr>
@@ -3803,7 +4813,7 @@
           <p:cNvPr id="10" name="Rectangle 9">
             <a:extLst>
               <a:ext uri="{FF2B5EF4-FFF2-40B4-BE49-F238E27FC236}">
-                <a16:creationId xmlns:a16="http://schemas.microsoft.com/office/drawing/2014/main" xmlns="" id="{E760F635-470C-4372-88C0-657334584AF7}"/>
+                <a16:creationId xmlns="" xmlns:a16="http://schemas.microsoft.com/office/drawing/2014/main" id="{E760F635-470C-4372-88C0-657334584AF7}"/>
               </a:ext>
             </a:extLst>
           </p:cNvPr>
@@ -3855,7 +4865,7 @@
           <p:cNvPr id="4" name="Rectangle 3">
             <a:extLst>
               <a:ext uri="{FF2B5EF4-FFF2-40B4-BE49-F238E27FC236}">
-                <a16:creationId xmlns:a16="http://schemas.microsoft.com/office/drawing/2014/main" xmlns="" id="{8405E2C8-91AB-446E-BED4-CA5ADB9B8BF3}"/>
+                <a16:creationId xmlns="" xmlns:a16="http://schemas.microsoft.com/office/drawing/2014/main" id="{8405E2C8-91AB-446E-BED4-CA5ADB9B8BF3}"/>
               </a:ext>
             </a:extLst>
           </p:cNvPr>
@@ -3907,7 +4917,7 @@
           <p:cNvPr id="12" name="TextBox 11">
             <a:extLst>
               <a:ext uri="{FF2B5EF4-FFF2-40B4-BE49-F238E27FC236}">
-                <a16:creationId xmlns:a16="http://schemas.microsoft.com/office/drawing/2014/main" xmlns="" id="{19AC1F89-B663-4659-8AEA-2C7FBCF714A0}"/>
+                <a16:creationId xmlns="" xmlns:a16="http://schemas.microsoft.com/office/drawing/2014/main" id="{19AC1F89-B663-4659-8AEA-2C7FBCF714A0}"/>
               </a:ext>
             </a:extLst>
           </p:cNvPr>
@@ -3950,7 +4960,7 @@
           <p:cNvPr id="13" name="Picture 12">
             <a:extLst>
               <a:ext uri="{FF2B5EF4-FFF2-40B4-BE49-F238E27FC236}">
-                <a16:creationId xmlns:a16="http://schemas.microsoft.com/office/drawing/2014/main" xmlns="" id="{7AC5BCF3-8177-44CC-B8F4-81E3D7CFC930}"/>
+                <a16:creationId xmlns="" xmlns:a16="http://schemas.microsoft.com/office/drawing/2014/main" id="{7AC5BCF3-8177-44CC-B8F4-81E3D7CFC930}"/>
               </a:ext>
             </a:extLst>
           </p:cNvPr>
@@ -3984,7 +4994,7 @@
           <p:cNvPr id="14" name="Rectangle 13">
             <a:extLst>
               <a:ext uri="{FF2B5EF4-FFF2-40B4-BE49-F238E27FC236}">
-                <a16:creationId xmlns:a16="http://schemas.microsoft.com/office/drawing/2014/main" xmlns="" id="{80F57147-DAE8-4E6A-ACE9-F27C2B7F563C}"/>
+                <a16:creationId xmlns="" xmlns:a16="http://schemas.microsoft.com/office/drawing/2014/main" id="{80F57147-DAE8-4E6A-ACE9-F27C2B7F563C}"/>
               </a:ext>
             </a:extLst>
           </p:cNvPr>
@@ -4036,7 +5046,7 @@
           <p:cNvPr id="15" name="TextBox 14">
             <a:extLst>
               <a:ext uri="{FF2B5EF4-FFF2-40B4-BE49-F238E27FC236}">
-                <a16:creationId xmlns:a16="http://schemas.microsoft.com/office/drawing/2014/main" xmlns="" id="{2E939559-52CD-4CB3-945E-1BD1E19B0D3A}"/>
+                <a16:creationId xmlns="" xmlns:a16="http://schemas.microsoft.com/office/drawing/2014/main" id="{2E939559-52CD-4CB3-945E-1BD1E19B0D3A}"/>
               </a:ext>
             </a:extLst>
           </p:cNvPr>
@@ -4139,7 +5149,7 @@
           <p:cNvPr id="4" name="TextBox 3">
             <a:extLst>
               <a:ext uri="{FF2B5EF4-FFF2-40B4-BE49-F238E27FC236}">
-                <a16:creationId xmlns:a16="http://schemas.microsoft.com/office/drawing/2014/main" xmlns="" id="{083FBBF3-4E40-46C5-B858-3759171FF255}"/>
+                <a16:creationId xmlns="" xmlns:a16="http://schemas.microsoft.com/office/drawing/2014/main" id="{083FBBF3-4E40-46C5-B858-3759171FF255}"/>
               </a:ext>
             </a:extLst>
           </p:cNvPr>
@@ -4248,7 +5258,7 @@
           <p:cNvPr id="3" name="Picture 2">
             <a:extLst>
               <a:ext uri="{FF2B5EF4-FFF2-40B4-BE49-F238E27FC236}">
-                <a16:creationId xmlns:a16="http://schemas.microsoft.com/office/drawing/2014/main" xmlns="" id="{4759E1EE-9DFC-4EFE-B1EB-38EFCC4381AF}"/>
+                <a16:creationId xmlns="" xmlns:a16="http://schemas.microsoft.com/office/drawing/2014/main" id="{4759E1EE-9DFC-4EFE-B1EB-38EFCC4381AF}"/>
               </a:ext>
             </a:extLst>
           </p:cNvPr>
@@ -4278,7 +5288,7 @@
           <p:cNvPr id="5" name="Picture 4">
             <a:extLst>
               <a:ext uri="{FF2B5EF4-FFF2-40B4-BE49-F238E27FC236}">
-                <a16:creationId xmlns:a16="http://schemas.microsoft.com/office/drawing/2014/main" xmlns="" id="{A0F6D79D-74A8-4692-BB38-A051E5F2CE2C}"/>
+                <a16:creationId xmlns="" xmlns:a16="http://schemas.microsoft.com/office/drawing/2014/main" id="{A0F6D79D-74A8-4692-BB38-A051E5F2CE2C}"/>
               </a:ext>
             </a:extLst>
           </p:cNvPr>
@@ -4312,7 +5322,7 @@
           <p:cNvPr id="6" name="Rectangle 5">
             <a:extLst>
               <a:ext uri="{FF2B5EF4-FFF2-40B4-BE49-F238E27FC236}">
-                <a16:creationId xmlns:a16="http://schemas.microsoft.com/office/drawing/2014/main" xmlns="" id="{78A2D2F0-C8D2-49E2-BF22-7713F820D6AA}"/>
+                <a16:creationId xmlns="" xmlns:a16="http://schemas.microsoft.com/office/drawing/2014/main" id="{78A2D2F0-C8D2-49E2-BF22-7713F820D6AA}"/>
               </a:ext>
             </a:extLst>
           </p:cNvPr>
@@ -4393,7 +5403,7 @@
           <p:cNvPr id="7" name="Rectangle 6">
             <a:extLst>
               <a:ext uri="{FF2B5EF4-FFF2-40B4-BE49-F238E27FC236}">
-                <a16:creationId xmlns:a16="http://schemas.microsoft.com/office/drawing/2014/main" xmlns="" id="{C74EB9B2-58C1-4025-B35A-5024F013D195}"/>
+                <a16:creationId xmlns="" xmlns:a16="http://schemas.microsoft.com/office/drawing/2014/main" id="{C74EB9B2-58C1-4025-B35A-5024F013D195}"/>
               </a:ext>
             </a:extLst>
           </p:cNvPr>
@@ -4445,7 +5455,7 @@
           <p:cNvPr id="8" name="Rectangle 7">
             <a:extLst>
               <a:ext uri="{FF2B5EF4-FFF2-40B4-BE49-F238E27FC236}">
-                <a16:creationId xmlns:a16="http://schemas.microsoft.com/office/drawing/2014/main" xmlns="" id="{37D7849E-42D5-4E58-AF81-637C07639E0F}"/>
+                <a16:creationId xmlns="" xmlns:a16="http://schemas.microsoft.com/office/drawing/2014/main" id="{37D7849E-42D5-4E58-AF81-637C07639E0F}"/>
               </a:ext>
             </a:extLst>
           </p:cNvPr>
@@ -4497,7 +5507,7 @@
           <p:cNvPr id="9" name="Rectangle 8">
             <a:extLst>
               <a:ext uri="{FF2B5EF4-FFF2-40B4-BE49-F238E27FC236}">
-                <a16:creationId xmlns:a16="http://schemas.microsoft.com/office/drawing/2014/main" xmlns="" id="{B197E246-F529-4812-9B7F-07A92FC93DB0}"/>
+                <a16:creationId xmlns="" xmlns:a16="http://schemas.microsoft.com/office/drawing/2014/main" id="{B197E246-F529-4812-9B7F-07A92FC93DB0}"/>
               </a:ext>
             </a:extLst>
           </p:cNvPr>
@@ -4549,7 +5559,7 @@
           <p:cNvPr id="10" name="Rectangle 9">
             <a:extLst>
               <a:ext uri="{FF2B5EF4-FFF2-40B4-BE49-F238E27FC236}">
-                <a16:creationId xmlns:a16="http://schemas.microsoft.com/office/drawing/2014/main" xmlns="" id="{3BA3F8B0-1435-4BF9-A428-E330FE0CC5E8}"/>
+                <a16:creationId xmlns="" xmlns:a16="http://schemas.microsoft.com/office/drawing/2014/main" id="{3BA3F8B0-1435-4BF9-A428-E330FE0CC5E8}"/>
               </a:ext>
             </a:extLst>
           </p:cNvPr>
@@ -4631,7 +5641,7 @@
           <p:cNvPr id="3" name="Picture 2">
             <a:extLst>
               <a:ext uri="{FF2B5EF4-FFF2-40B4-BE49-F238E27FC236}">
-                <a16:creationId xmlns:a16="http://schemas.microsoft.com/office/drawing/2014/main" xmlns="" id="{62269370-41EF-498B-AA80-5FB9AD0663BE}"/>
+                <a16:creationId xmlns="" xmlns:a16="http://schemas.microsoft.com/office/drawing/2014/main" id="{62269370-41EF-498B-AA80-5FB9AD0663BE}"/>
               </a:ext>
             </a:extLst>
           </p:cNvPr>
@@ -4661,7 +5671,7 @@
           <p:cNvPr id="5" name="Picture 4">
             <a:extLst>
               <a:ext uri="{FF2B5EF4-FFF2-40B4-BE49-F238E27FC236}">
-                <a16:creationId xmlns:a16="http://schemas.microsoft.com/office/drawing/2014/main" xmlns="" id="{B1341182-3145-44D0-BD1A-F8A33CCB4C20}"/>
+                <a16:creationId xmlns="" xmlns:a16="http://schemas.microsoft.com/office/drawing/2014/main" id="{B1341182-3145-44D0-BD1A-F8A33CCB4C20}"/>
               </a:ext>
             </a:extLst>
           </p:cNvPr>
@@ -4695,7 +5705,7 @@
           <p:cNvPr id="6" name="Rectangle 5">
             <a:extLst>
               <a:ext uri="{FF2B5EF4-FFF2-40B4-BE49-F238E27FC236}">
-                <a16:creationId xmlns:a16="http://schemas.microsoft.com/office/drawing/2014/main" xmlns="" id="{0D41E224-853D-4C21-9FA1-AF10377641E9}"/>
+                <a16:creationId xmlns="" xmlns:a16="http://schemas.microsoft.com/office/drawing/2014/main" id="{0D41E224-853D-4C21-9FA1-AF10377641E9}"/>
               </a:ext>
             </a:extLst>
           </p:cNvPr>
@@ -4776,7 +5786,7 @@
           <p:cNvPr id="7" name="Rectangle 6">
             <a:extLst>
               <a:ext uri="{FF2B5EF4-FFF2-40B4-BE49-F238E27FC236}">
-                <a16:creationId xmlns:a16="http://schemas.microsoft.com/office/drawing/2014/main" xmlns="" id="{0965D959-CED0-49B8-BE9E-C1FCDEABACCE}"/>
+                <a16:creationId xmlns="" xmlns:a16="http://schemas.microsoft.com/office/drawing/2014/main" id="{0965D959-CED0-49B8-BE9E-C1FCDEABACCE}"/>
               </a:ext>
             </a:extLst>
           </p:cNvPr>
@@ -4828,7 +5838,7 @@
           <p:cNvPr id="8" name="Rectangle 7">
             <a:extLst>
               <a:ext uri="{FF2B5EF4-FFF2-40B4-BE49-F238E27FC236}">
-                <a16:creationId xmlns:a16="http://schemas.microsoft.com/office/drawing/2014/main" xmlns="" id="{74623FEB-6223-44CA-885A-BAECA4B99341}"/>
+                <a16:creationId xmlns="" xmlns:a16="http://schemas.microsoft.com/office/drawing/2014/main" id="{74623FEB-6223-44CA-885A-BAECA4B99341}"/>
               </a:ext>
             </a:extLst>
           </p:cNvPr>
@@ -4880,7 +5890,7 @@
           <p:cNvPr id="9" name="Rectangle 8">
             <a:extLst>
               <a:ext uri="{FF2B5EF4-FFF2-40B4-BE49-F238E27FC236}">
-                <a16:creationId xmlns:a16="http://schemas.microsoft.com/office/drawing/2014/main" xmlns="" id="{C5BD568F-19AE-450F-9C87-E4A1D6145D89}"/>
+                <a16:creationId xmlns="" xmlns:a16="http://schemas.microsoft.com/office/drawing/2014/main" id="{C5BD568F-19AE-450F-9C87-E4A1D6145D89}"/>
               </a:ext>
             </a:extLst>
           </p:cNvPr>
@@ -4932,7 +5942,7 @@
           <p:cNvPr id="10" name="Rectangle 9">
             <a:extLst>
               <a:ext uri="{FF2B5EF4-FFF2-40B4-BE49-F238E27FC236}">
-                <a16:creationId xmlns:a16="http://schemas.microsoft.com/office/drawing/2014/main" xmlns="" id="{6FA82307-088E-4D00-8ED7-C5B78044139D}"/>
+                <a16:creationId xmlns="" xmlns:a16="http://schemas.microsoft.com/office/drawing/2014/main" id="{6FA82307-088E-4D00-8ED7-C5B78044139D}"/>
               </a:ext>
             </a:extLst>
           </p:cNvPr>
@@ -4984,7 +5994,7 @@
           <p:cNvPr id="11" name="Rectangle 10">
             <a:extLst>
               <a:ext uri="{FF2B5EF4-FFF2-40B4-BE49-F238E27FC236}">
-                <a16:creationId xmlns:a16="http://schemas.microsoft.com/office/drawing/2014/main" xmlns="" id="{E1D5159D-3EB5-42B6-8570-F553F976D3B0}"/>
+                <a16:creationId xmlns="" xmlns:a16="http://schemas.microsoft.com/office/drawing/2014/main" id="{E1D5159D-3EB5-42B6-8570-F553F976D3B0}"/>
               </a:ext>
             </a:extLst>
           </p:cNvPr>
@@ -5036,7 +6046,7 @@
           <p:cNvPr id="12" name="Rectangle 11">
             <a:extLst>
               <a:ext uri="{FF2B5EF4-FFF2-40B4-BE49-F238E27FC236}">
-                <a16:creationId xmlns:a16="http://schemas.microsoft.com/office/drawing/2014/main" xmlns="" id="{D3E42A0E-3EF2-412B-B498-4919EF64A8AC}"/>
+                <a16:creationId xmlns="" xmlns:a16="http://schemas.microsoft.com/office/drawing/2014/main" id="{D3E42A0E-3EF2-412B-B498-4919EF64A8AC}"/>
               </a:ext>
             </a:extLst>
           </p:cNvPr>
@@ -5088,7 +6098,7 @@
           <p:cNvPr id="13" name="Rectangle 12">
             <a:extLst>
               <a:ext uri="{FF2B5EF4-FFF2-40B4-BE49-F238E27FC236}">
-                <a16:creationId xmlns:a16="http://schemas.microsoft.com/office/drawing/2014/main" xmlns="" id="{762AC6A5-BEF3-4FCF-BE31-E3F2D71416D9}"/>
+                <a16:creationId xmlns="" xmlns:a16="http://schemas.microsoft.com/office/drawing/2014/main" id="{762AC6A5-BEF3-4FCF-BE31-E3F2D71416D9}"/>
               </a:ext>
             </a:extLst>
           </p:cNvPr>
@@ -5140,7 +6150,7 @@
           <p:cNvPr id="14" name="Rectangle 13">
             <a:extLst>
               <a:ext uri="{FF2B5EF4-FFF2-40B4-BE49-F238E27FC236}">
-                <a16:creationId xmlns:a16="http://schemas.microsoft.com/office/drawing/2014/main" xmlns="" id="{B76F4B70-5CD2-471C-9436-1B75A4E5EE75}"/>
+                <a16:creationId xmlns="" xmlns:a16="http://schemas.microsoft.com/office/drawing/2014/main" id="{B76F4B70-5CD2-471C-9436-1B75A4E5EE75}"/>
               </a:ext>
             </a:extLst>
           </p:cNvPr>

--- a/1_SQL/2_PPT/16_Window Functions/2_Ranking/Ranking.pptx
+++ b/1_SQL/2_PPT/16_Window Functions/2_Ranking/Ranking.pptx
@@ -5,20 +5,23 @@
     <p:sldMasterId id="2147483648" r:id="rId1"/>
   </p:sldMasterIdLst>
   <p:sldIdLst>
-    <p:sldId id="256" r:id="rId2"/>
-    <p:sldId id="257" r:id="rId3"/>
-    <p:sldId id="258" r:id="rId4"/>
-    <p:sldId id="259" r:id="rId5"/>
-    <p:sldId id="260" r:id="rId6"/>
-    <p:sldId id="261" r:id="rId7"/>
-    <p:sldId id="262" r:id="rId8"/>
-    <p:sldId id="263" r:id="rId9"/>
-    <p:sldId id="264" r:id="rId10"/>
-    <p:sldId id="265" r:id="rId11"/>
-    <p:sldId id="266" r:id="rId12"/>
-    <p:sldId id="267" r:id="rId13"/>
-    <p:sldId id="268" r:id="rId14"/>
-    <p:sldId id="269" r:id="rId15"/>
+    <p:sldId id="290" r:id="rId2"/>
+    <p:sldId id="256" r:id="rId3"/>
+    <p:sldId id="257" r:id="rId4"/>
+    <p:sldId id="258" r:id="rId5"/>
+    <p:sldId id="259" r:id="rId6"/>
+    <p:sldId id="260" r:id="rId7"/>
+    <p:sldId id="261" r:id="rId8"/>
+    <p:sldId id="262" r:id="rId9"/>
+    <p:sldId id="263" r:id="rId10"/>
+    <p:sldId id="264" r:id="rId11"/>
+    <p:sldId id="265" r:id="rId12"/>
+    <p:sldId id="266" r:id="rId13"/>
+    <p:sldId id="289" r:id="rId14"/>
+    <p:sldId id="288" r:id="rId15"/>
+    <p:sldId id="267" r:id="rId16"/>
+    <p:sldId id="268" r:id="rId17"/>
+    <p:sldId id="269" r:id="rId18"/>
   </p:sldIdLst>
   <p:sldSz cx="12192000" cy="6858000"/>
   <p:notesSz cx="6858000" cy="9144000"/>
@@ -167,7 +170,7 @@
           </a:lstStyle>
           <a:p>
             <a:r>
-              <a:rPr lang="en-US" smtClean="0"/>
+              <a:rPr lang="en-US"/>
               <a:t>Click to edit Master title style</a:t>
             </a:r>
             <a:endParaRPr lang="en-IN"/>
@@ -232,7 +235,7 @@
           </a:lstStyle>
           <a:p>
             <a:r>
-              <a:rPr lang="en-US" smtClean="0"/>
+              <a:rPr lang="en-US"/>
               <a:t>Click to edit Master subtitle style</a:t>
             </a:r>
             <a:endParaRPr lang="en-IN"/>
@@ -256,7 +259,7 @@
           <a:p>
             <a:fld id="{676358D9-F76F-46AD-9D6B-2EEC1DAB290B}" type="datetimeFigureOut">
               <a:rPr lang="en-IN" smtClean="0"/>
-              <a:t>16-10-2022</a:t>
+              <a:t>17-10-2022</a:t>
             </a:fld>
             <a:endParaRPr lang="en-IN"/>
           </a:p>
@@ -350,7 +353,7 @@
           <a:lstStyle/>
           <a:p>
             <a:r>
-              <a:rPr lang="en-US" smtClean="0"/>
+              <a:rPr lang="en-US"/>
               <a:t>Click to edit Master title style</a:t>
             </a:r>
             <a:endParaRPr lang="en-IN"/>
@@ -374,35 +377,35 @@
           <a:p>
             <a:pPr lvl="0"/>
             <a:r>
-              <a:rPr lang="en-US" smtClean="0"/>
+              <a:rPr lang="en-US"/>
               <a:t>Click to edit Master text styles</a:t>
             </a:r>
           </a:p>
           <a:p>
             <a:pPr lvl="1"/>
             <a:r>
-              <a:rPr lang="en-US" smtClean="0"/>
+              <a:rPr lang="en-US"/>
               <a:t>Second level</a:t>
             </a:r>
           </a:p>
           <a:p>
             <a:pPr lvl="2"/>
             <a:r>
-              <a:rPr lang="en-US" smtClean="0"/>
+              <a:rPr lang="en-US"/>
               <a:t>Third level</a:t>
             </a:r>
           </a:p>
           <a:p>
             <a:pPr lvl="3"/>
             <a:r>
-              <a:rPr lang="en-US" smtClean="0"/>
+              <a:rPr lang="en-US"/>
               <a:t>Fourth level</a:t>
             </a:r>
           </a:p>
           <a:p>
             <a:pPr lvl="4"/>
             <a:r>
-              <a:rPr lang="en-US" smtClean="0"/>
+              <a:rPr lang="en-US"/>
               <a:t>Fifth level</a:t>
             </a:r>
             <a:endParaRPr lang="en-IN"/>
@@ -426,7 +429,7 @@
           <a:p>
             <a:fld id="{676358D9-F76F-46AD-9D6B-2EEC1DAB290B}" type="datetimeFigureOut">
               <a:rPr lang="en-IN" smtClean="0"/>
-              <a:t>16-10-2022</a:t>
+              <a:t>17-10-2022</a:t>
             </a:fld>
             <a:endParaRPr lang="en-IN"/>
           </a:p>
@@ -525,7 +528,7 @@
           <a:lstStyle/>
           <a:p>
             <a:r>
-              <a:rPr lang="en-US" smtClean="0"/>
+              <a:rPr lang="en-US"/>
               <a:t>Click to edit Master title style</a:t>
             </a:r>
             <a:endParaRPr lang="en-IN"/>
@@ -554,35 +557,35 @@
           <a:p>
             <a:pPr lvl="0"/>
             <a:r>
-              <a:rPr lang="en-US" smtClean="0"/>
+              <a:rPr lang="en-US"/>
               <a:t>Click to edit Master text styles</a:t>
             </a:r>
           </a:p>
           <a:p>
             <a:pPr lvl="1"/>
             <a:r>
-              <a:rPr lang="en-US" smtClean="0"/>
+              <a:rPr lang="en-US"/>
               <a:t>Second level</a:t>
             </a:r>
           </a:p>
           <a:p>
             <a:pPr lvl="2"/>
             <a:r>
-              <a:rPr lang="en-US" smtClean="0"/>
+              <a:rPr lang="en-US"/>
               <a:t>Third level</a:t>
             </a:r>
           </a:p>
           <a:p>
             <a:pPr lvl="3"/>
             <a:r>
-              <a:rPr lang="en-US" smtClean="0"/>
+              <a:rPr lang="en-US"/>
               <a:t>Fourth level</a:t>
             </a:r>
           </a:p>
           <a:p>
             <a:pPr lvl="4"/>
             <a:r>
-              <a:rPr lang="en-US" smtClean="0"/>
+              <a:rPr lang="en-US"/>
               <a:t>Fifth level</a:t>
             </a:r>
             <a:endParaRPr lang="en-IN"/>
@@ -606,7 +609,7 @@
           <a:p>
             <a:fld id="{676358D9-F76F-46AD-9D6B-2EEC1DAB290B}" type="datetimeFigureOut">
               <a:rPr lang="en-IN" smtClean="0"/>
-              <a:t>16-10-2022</a:t>
+              <a:t>17-10-2022</a:t>
             </a:fld>
             <a:endParaRPr lang="en-IN"/>
           </a:p>
@@ -700,7 +703,7 @@
           <a:lstStyle/>
           <a:p>
             <a:r>
-              <a:rPr lang="en-US" smtClean="0"/>
+              <a:rPr lang="en-US"/>
               <a:t>Click to edit Master title style</a:t>
             </a:r>
             <a:endParaRPr lang="en-IN"/>
@@ -724,35 +727,35 @@
           <a:p>
             <a:pPr lvl="0"/>
             <a:r>
-              <a:rPr lang="en-US" smtClean="0"/>
+              <a:rPr lang="en-US"/>
               <a:t>Click to edit Master text styles</a:t>
             </a:r>
           </a:p>
           <a:p>
             <a:pPr lvl="1"/>
             <a:r>
-              <a:rPr lang="en-US" smtClean="0"/>
+              <a:rPr lang="en-US"/>
               <a:t>Second level</a:t>
             </a:r>
           </a:p>
           <a:p>
             <a:pPr lvl="2"/>
             <a:r>
-              <a:rPr lang="en-US" smtClean="0"/>
+              <a:rPr lang="en-US"/>
               <a:t>Third level</a:t>
             </a:r>
           </a:p>
           <a:p>
             <a:pPr lvl="3"/>
             <a:r>
-              <a:rPr lang="en-US" smtClean="0"/>
+              <a:rPr lang="en-US"/>
               <a:t>Fourth level</a:t>
             </a:r>
           </a:p>
           <a:p>
             <a:pPr lvl="4"/>
             <a:r>
-              <a:rPr lang="en-US" smtClean="0"/>
+              <a:rPr lang="en-US"/>
               <a:t>Fifth level</a:t>
             </a:r>
             <a:endParaRPr lang="en-IN"/>
@@ -776,7 +779,7 @@
           <a:p>
             <a:fld id="{676358D9-F76F-46AD-9D6B-2EEC1DAB290B}" type="datetimeFigureOut">
               <a:rPr lang="en-IN" smtClean="0"/>
-              <a:t>16-10-2022</a:t>
+              <a:t>17-10-2022</a:t>
             </a:fld>
             <a:endParaRPr lang="en-IN"/>
           </a:p>
@@ -879,7 +882,7 @@
           </a:lstStyle>
           <a:p>
             <a:r>
-              <a:rPr lang="en-US" smtClean="0"/>
+              <a:rPr lang="en-US"/>
               <a:t>Click to edit Master title style</a:t>
             </a:r>
             <a:endParaRPr lang="en-IN"/>
@@ -999,7 +1002,7 @@
           <a:p>
             <a:pPr lvl="0"/>
             <a:r>
-              <a:rPr lang="en-US" smtClean="0"/>
+              <a:rPr lang="en-US"/>
               <a:t>Click to edit Master text styles</a:t>
             </a:r>
           </a:p>
@@ -1022,7 +1025,7 @@
           <a:p>
             <a:fld id="{676358D9-F76F-46AD-9D6B-2EEC1DAB290B}" type="datetimeFigureOut">
               <a:rPr lang="en-IN" smtClean="0"/>
-              <a:t>16-10-2022</a:t>
+              <a:t>17-10-2022</a:t>
             </a:fld>
             <a:endParaRPr lang="en-IN"/>
           </a:p>
@@ -1116,7 +1119,7 @@
           <a:lstStyle/>
           <a:p>
             <a:r>
-              <a:rPr lang="en-US" smtClean="0"/>
+              <a:rPr lang="en-US"/>
               <a:t>Click to edit Master title style</a:t>
             </a:r>
             <a:endParaRPr lang="en-IN"/>
@@ -1145,35 +1148,35 @@
           <a:p>
             <a:pPr lvl="0"/>
             <a:r>
-              <a:rPr lang="en-US" smtClean="0"/>
+              <a:rPr lang="en-US"/>
               <a:t>Click to edit Master text styles</a:t>
             </a:r>
           </a:p>
           <a:p>
             <a:pPr lvl="1"/>
             <a:r>
-              <a:rPr lang="en-US" smtClean="0"/>
+              <a:rPr lang="en-US"/>
               <a:t>Second level</a:t>
             </a:r>
           </a:p>
           <a:p>
             <a:pPr lvl="2"/>
             <a:r>
-              <a:rPr lang="en-US" smtClean="0"/>
+              <a:rPr lang="en-US"/>
               <a:t>Third level</a:t>
             </a:r>
           </a:p>
           <a:p>
             <a:pPr lvl="3"/>
             <a:r>
-              <a:rPr lang="en-US" smtClean="0"/>
+              <a:rPr lang="en-US"/>
               <a:t>Fourth level</a:t>
             </a:r>
           </a:p>
           <a:p>
             <a:pPr lvl="4"/>
             <a:r>
-              <a:rPr lang="en-US" smtClean="0"/>
+              <a:rPr lang="en-US"/>
               <a:t>Fifth level</a:t>
             </a:r>
             <a:endParaRPr lang="en-IN"/>
@@ -1202,35 +1205,35 @@
           <a:p>
             <a:pPr lvl="0"/>
             <a:r>
-              <a:rPr lang="en-US" smtClean="0"/>
+              <a:rPr lang="en-US"/>
               <a:t>Click to edit Master text styles</a:t>
             </a:r>
           </a:p>
           <a:p>
             <a:pPr lvl="1"/>
             <a:r>
-              <a:rPr lang="en-US" smtClean="0"/>
+              <a:rPr lang="en-US"/>
               <a:t>Second level</a:t>
             </a:r>
           </a:p>
           <a:p>
             <a:pPr lvl="2"/>
             <a:r>
-              <a:rPr lang="en-US" smtClean="0"/>
+              <a:rPr lang="en-US"/>
               <a:t>Third level</a:t>
             </a:r>
           </a:p>
           <a:p>
             <a:pPr lvl="3"/>
             <a:r>
-              <a:rPr lang="en-US" smtClean="0"/>
+              <a:rPr lang="en-US"/>
               <a:t>Fourth level</a:t>
             </a:r>
           </a:p>
           <a:p>
             <a:pPr lvl="4"/>
             <a:r>
-              <a:rPr lang="en-US" smtClean="0"/>
+              <a:rPr lang="en-US"/>
               <a:t>Fifth level</a:t>
             </a:r>
             <a:endParaRPr lang="en-IN"/>
@@ -1254,7 +1257,7 @@
           <a:p>
             <a:fld id="{676358D9-F76F-46AD-9D6B-2EEC1DAB290B}" type="datetimeFigureOut">
               <a:rPr lang="en-IN" smtClean="0"/>
-              <a:t>16-10-2022</a:t>
+              <a:t>17-10-2022</a:t>
             </a:fld>
             <a:endParaRPr lang="en-IN"/>
           </a:p>
@@ -1353,7 +1356,7 @@
           <a:lstStyle/>
           <a:p>
             <a:r>
-              <a:rPr lang="en-US" smtClean="0"/>
+              <a:rPr lang="en-US"/>
               <a:t>Click to edit Master title style</a:t>
             </a:r>
             <a:endParaRPr lang="en-IN"/>
@@ -1419,7 +1422,7 @@
           <a:p>
             <a:pPr lvl="0"/>
             <a:r>
-              <a:rPr lang="en-US" smtClean="0"/>
+              <a:rPr lang="en-US"/>
               <a:t>Click to edit Master text styles</a:t>
             </a:r>
           </a:p>
@@ -1447,35 +1450,35 @@
           <a:p>
             <a:pPr lvl="0"/>
             <a:r>
-              <a:rPr lang="en-US" smtClean="0"/>
+              <a:rPr lang="en-US"/>
               <a:t>Click to edit Master text styles</a:t>
             </a:r>
           </a:p>
           <a:p>
             <a:pPr lvl="1"/>
             <a:r>
-              <a:rPr lang="en-US" smtClean="0"/>
+              <a:rPr lang="en-US"/>
               <a:t>Second level</a:t>
             </a:r>
           </a:p>
           <a:p>
             <a:pPr lvl="2"/>
             <a:r>
-              <a:rPr lang="en-US" smtClean="0"/>
+              <a:rPr lang="en-US"/>
               <a:t>Third level</a:t>
             </a:r>
           </a:p>
           <a:p>
             <a:pPr lvl="3"/>
             <a:r>
-              <a:rPr lang="en-US" smtClean="0"/>
+              <a:rPr lang="en-US"/>
               <a:t>Fourth level</a:t>
             </a:r>
           </a:p>
           <a:p>
             <a:pPr lvl="4"/>
             <a:r>
-              <a:rPr lang="en-US" smtClean="0"/>
+              <a:rPr lang="en-US"/>
               <a:t>Fifth level</a:t>
             </a:r>
             <a:endParaRPr lang="en-IN"/>
@@ -1541,7 +1544,7 @@
           <a:p>
             <a:pPr lvl="0"/>
             <a:r>
-              <a:rPr lang="en-US" smtClean="0"/>
+              <a:rPr lang="en-US"/>
               <a:t>Click to edit Master text styles</a:t>
             </a:r>
           </a:p>
@@ -1569,35 +1572,35 @@
           <a:p>
             <a:pPr lvl="0"/>
             <a:r>
-              <a:rPr lang="en-US" smtClean="0"/>
+              <a:rPr lang="en-US"/>
               <a:t>Click to edit Master text styles</a:t>
             </a:r>
           </a:p>
           <a:p>
             <a:pPr lvl="1"/>
             <a:r>
-              <a:rPr lang="en-US" smtClean="0"/>
+              <a:rPr lang="en-US"/>
               <a:t>Second level</a:t>
             </a:r>
           </a:p>
           <a:p>
             <a:pPr lvl="2"/>
             <a:r>
-              <a:rPr lang="en-US" smtClean="0"/>
+              <a:rPr lang="en-US"/>
               <a:t>Third level</a:t>
             </a:r>
           </a:p>
           <a:p>
             <a:pPr lvl="3"/>
             <a:r>
-              <a:rPr lang="en-US" smtClean="0"/>
+              <a:rPr lang="en-US"/>
               <a:t>Fourth level</a:t>
             </a:r>
           </a:p>
           <a:p>
             <a:pPr lvl="4"/>
             <a:r>
-              <a:rPr lang="en-US" smtClean="0"/>
+              <a:rPr lang="en-US"/>
               <a:t>Fifth level</a:t>
             </a:r>
             <a:endParaRPr lang="en-IN"/>
@@ -1621,7 +1624,7 @@
           <a:p>
             <a:fld id="{676358D9-F76F-46AD-9D6B-2EEC1DAB290B}" type="datetimeFigureOut">
               <a:rPr lang="en-IN" smtClean="0"/>
-              <a:t>16-10-2022</a:t>
+              <a:t>17-10-2022</a:t>
             </a:fld>
             <a:endParaRPr lang="en-IN"/>
           </a:p>
@@ -1715,7 +1718,7 @@
           <a:lstStyle/>
           <a:p>
             <a:r>
-              <a:rPr lang="en-US" smtClean="0"/>
+              <a:rPr lang="en-US"/>
               <a:t>Click to edit Master title style</a:t>
             </a:r>
             <a:endParaRPr lang="en-IN"/>
@@ -1739,7 +1742,7 @@
           <a:p>
             <a:fld id="{676358D9-F76F-46AD-9D6B-2EEC1DAB290B}" type="datetimeFigureOut">
               <a:rPr lang="en-IN" smtClean="0"/>
-              <a:t>16-10-2022</a:t>
+              <a:t>17-10-2022</a:t>
             </a:fld>
             <a:endParaRPr lang="en-IN"/>
           </a:p>
@@ -1834,7 +1837,7 @@
           <a:p>
             <a:fld id="{676358D9-F76F-46AD-9D6B-2EEC1DAB290B}" type="datetimeFigureOut">
               <a:rPr lang="en-IN" smtClean="0"/>
-              <a:t>16-10-2022</a:t>
+              <a:t>17-10-2022</a:t>
             </a:fld>
             <a:endParaRPr lang="en-IN"/>
           </a:p>
@@ -1937,7 +1940,7 @@
           </a:lstStyle>
           <a:p>
             <a:r>
-              <a:rPr lang="en-US" smtClean="0"/>
+              <a:rPr lang="en-US"/>
               <a:t>Click to edit Master title style</a:t>
             </a:r>
             <a:endParaRPr lang="en-IN"/>
@@ -1994,35 +1997,35 @@
           <a:p>
             <a:pPr lvl="0"/>
             <a:r>
-              <a:rPr lang="en-US" smtClean="0"/>
+              <a:rPr lang="en-US"/>
               <a:t>Click to edit Master text styles</a:t>
             </a:r>
           </a:p>
           <a:p>
             <a:pPr lvl="1"/>
             <a:r>
-              <a:rPr lang="en-US" smtClean="0"/>
+              <a:rPr lang="en-US"/>
               <a:t>Second level</a:t>
             </a:r>
           </a:p>
           <a:p>
             <a:pPr lvl="2"/>
             <a:r>
-              <a:rPr lang="en-US" smtClean="0"/>
+              <a:rPr lang="en-US"/>
               <a:t>Third level</a:t>
             </a:r>
           </a:p>
           <a:p>
             <a:pPr lvl="3"/>
             <a:r>
-              <a:rPr lang="en-US" smtClean="0"/>
+              <a:rPr lang="en-US"/>
               <a:t>Fourth level</a:t>
             </a:r>
           </a:p>
           <a:p>
             <a:pPr lvl="4"/>
             <a:r>
-              <a:rPr lang="en-US" smtClean="0"/>
+              <a:rPr lang="en-US"/>
               <a:t>Fifth level</a:t>
             </a:r>
             <a:endParaRPr lang="en-IN"/>
@@ -2088,7 +2091,7 @@
           <a:p>
             <a:pPr lvl="0"/>
             <a:r>
-              <a:rPr lang="en-US" smtClean="0"/>
+              <a:rPr lang="en-US"/>
               <a:t>Click to edit Master text styles</a:t>
             </a:r>
           </a:p>
@@ -2111,7 +2114,7 @@
           <a:p>
             <a:fld id="{676358D9-F76F-46AD-9D6B-2EEC1DAB290B}" type="datetimeFigureOut">
               <a:rPr lang="en-IN" smtClean="0"/>
-              <a:t>16-10-2022</a:t>
+              <a:t>17-10-2022</a:t>
             </a:fld>
             <a:endParaRPr lang="en-IN"/>
           </a:p>
@@ -2214,7 +2217,7 @@
           </a:lstStyle>
           <a:p>
             <a:r>
-              <a:rPr lang="en-US" smtClean="0"/>
+              <a:rPr lang="en-US"/>
               <a:t>Click to edit Master title style</a:t>
             </a:r>
             <a:endParaRPr lang="en-IN"/>
@@ -2341,7 +2344,7 @@
           <a:p>
             <a:pPr lvl="0"/>
             <a:r>
-              <a:rPr lang="en-US" smtClean="0"/>
+              <a:rPr lang="en-US"/>
               <a:t>Click to edit Master text styles</a:t>
             </a:r>
           </a:p>
@@ -2364,7 +2367,7 @@
           <a:p>
             <a:fld id="{676358D9-F76F-46AD-9D6B-2EEC1DAB290B}" type="datetimeFigureOut">
               <a:rPr lang="en-IN" smtClean="0"/>
-              <a:t>16-10-2022</a:t>
+              <a:t>17-10-2022</a:t>
             </a:fld>
             <a:endParaRPr lang="en-IN"/>
           </a:p>
@@ -2473,7 +2476,7 @@
           <a:lstStyle/>
           <a:p>
             <a:r>
-              <a:rPr lang="en-US" smtClean="0"/>
+              <a:rPr lang="en-US"/>
               <a:t>Click to edit Master title style</a:t>
             </a:r>
             <a:endParaRPr lang="en-IN"/>
@@ -2507,35 +2510,35 @@
           <a:p>
             <a:pPr lvl="0"/>
             <a:r>
-              <a:rPr lang="en-US" smtClean="0"/>
+              <a:rPr lang="en-US"/>
               <a:t>Click to edit Master text styles</a:t>
             </a:r>
           </a:p>
           <a:p>
             <a:pPr lvl="1"/>
             <a:r>
-              <a:rPr lang="en-US" smtClean="0"/>
+              <a:rPr lang="en-US"/>
               <a:t>Second level</a:t>
             </a:r>
           </a:p>
           <a:p>
             <a:pPr lvl="2"/>
             <a:r>
-              <a:rPr lang="en-US" smtClean="0"/>
+              <a:rPr lang="en-US"/>
               <a:t>Third level</a:t>
             </a:r>
           </a:p>
           <a:p>
             <a:pPr lvl="3"/>
             <a:r>
-              <a:rPr lang="en-US" smtClean="0"/>
+              <a:rPr lang="en-US"/>
               <a:t>Fourth level</a:t>
             </a:r>
           </a:p>
           <a:p>
             <a:pPr lvl="4"/>
             <a:r>
-              <a:rPr lang="en-US" smtClean="0"/>
+              <a:rPr lang="en-US"/>
               <a:t>Fifth level</a:t>
             </a:r>
             <a:endParaRPr lang="en-IN"/>
@@ -2577,7 +2580,7 @@
           <a:p>
             <a:fld id="{676358D9-F76F-46AD-9D6B-2EEC1DAB290B}" type="datetimeFigureOut">
               <a:rPr lang="en-IN" smtClean="0"/>
-              <a:t>16-10-2022</a:t>
+              <a:t>17-10-2022</a:t>
             </a:fld>
             <a:endParaRPr lang="en-IN"/>
           </a:p>
@@ -2982,12 +2985,46 @@
           <a:chExt cx="0" cy="0"/>
         </a:xfrm>
       </p:grpSpPr>
-      <p:sp>
-        <p:nvSpPr>
-          <p:cNvPr id="4" name="TextBox 3">
+      <p:pic>
+        <p:nvPicPr>
+          <p:cNvPr id="4" name="Picture 3">
             <a:extLst>
               <a:ext uri="{FF2B5EF4-FFF2-40B4-BE49-F238E27FC236}">
-                <a16:creationId xmlns="" xmlns:a16="http://schemas.microsoft.com/office/drawing/2014/main" id="{083FBBF3-4E40-46C5-B858-3759171FF255}"/>
+                <a16:creationId xmlns:a16="http://schemas.microsoft.com/office/drawing/2014/main" id="{B6C35024-D7D5-4ED4-B1F9-806B313DA54D}"/>
+              </a:ext>
+            </a:extLst>
+          </p:cNvPr>
+          <p:cNvPicPr>
+            <a:picLocks noChangeAspect="1"/>
+          </p:cNvPicPr>
+          <p:nvPr/>
+        </p:nvPicPr>
+        <p:blipFill rotWithShape="1">
+          <a:blip r:embed="rId2"/>
+          <a:srcRect t="12448" b="1709"/>
+          <a:stretch/>
+        </p:blipFill>
+        <p:spPr>
+          <a:xfrm>
+            <a:off x="288234" y="806654"/>
+            <a:ext cx="4065105" cy="3373783"/>
+          </a:xfrm>
+          <a:prstGeom prst="rect">
+            <a:avLst/>
+          </a:prstGeom>
+          <a:ln w="15875">
+            <a:solidFill>
+              <a:schemeClr val="tx1"/>
+            </a:solidFill>
+          </a:ln>
+        </p:spPr>
+      </p:pic>
+      <p:sp>
+        <p:nvSpPr>
+          <p:cNvPr id="5" name="TextBox 4">
+            <a:extLst>
+              <a:ext uri="{FF2B5EF4-FFF2-40B4-BE49-F238E27FC236}">
+                <a16:creationId xmlns:a16="http://schemas.microsoft.com/office/drawing/2014/main" id="{678F78FC-51BC-45E4-AFA7-B32384169AE4}"/>
               </a:ext>
             </a:extLst>
           </p:cNvPr>
@@ -2996,13 +3033,20 @@
         </p:nvSpPr>
         <p:spPr>
           <a:xfrm>
-            <a:off x="4847485" y="2905780"/>
-            <a:ext cx="2497030" cy="523220"/>
-          </a:xfrm>
-          <a:prstGeom prst="rect">
-            <a:avLst/>
-          </a:prstGeom>
-          <a:noFill/>
+            <a:off x="1104933" y="427381"/>
+            <a:ext cx="2509790" cy="307777"/>
+          </a:xfrm>
+          <a:prstGeom prst="rect">
+            <a:avLst/>
+          </a:prstGeom>
+          <a:solidFill>
+            <a:srgbClr val="FFFF00"/>
+          </a:solidFill>
+          <a:ln>
+            <a:solidFill>
+              <a:schemeClr val="tx1"/>
+            </a:solidFill>
+          </a:ln>
         </p:spPr>
         <p:txBody>
           <a:bodyPr wrap="none" rtlCol="0">
@@ -3011,17 +3055,17 @@
           <a:lstStyle/>
           <a:p>
             <a:r>
-              <a:rPr lang="en-IN" sz="2800" dirty="0"/>
-              <a:t>Row_Number( )</a:t>
-            </a:r>
-            <a:endParaRPr lang="en-US" sz="2800" dirty="0"/>
+              <a:rPr lang="en-IN" sz="1400" dirty="0"/>
+              <a:t>Types of SQL Window Functions</a:t>
+            </a:r>
+            <a:endParaRPr lang="en-US" sz="1400" dirty="0"/>
           </a:p>
         </p:txBody>
       </p:sp>
     </p:spTree>
     <p:extLst>
       <p:ext uri="{BB962C8B-B14F-4D97-AF65-F5344CB8AC3E}">
-        <p14:creationId xmlns:p14="http://schemas.microsoft.com/office/powerpoint/2010/main" val="2320350737"/>
+        <p14:creationId xmlns:p14="http://schemas.microsoft.com/office/powerpoint/2010/main" val="3224575366"/>
       </p:ext>
     </p:extLst>
   </p:cSld>
@@ -3048,12 +3092,42 @@
           <a:chExt cx="0" cy="0"/>
         </a:xfrm>
       </p:grpSpPr>
+    </p:spTree>
+    <p:extLst>
+      <p:ext uri="{BB962C8B-B14F-4D97-AF65-F5344CB8AC3E}">
+        <p14:creationId xmlns:p14="http://schemas.microsoft.com/office/powerpoint/2010/main" val="3158131621"/>
+      </p:ext>
+    </p:extLst>
+  </p:cSld>
+  <p:clrMapOvr>
+    <a:masterClrMapping/>
+  </p:clrMapOvr>
+</p:sld>
+</file>
+
+<file path=ppt/slides/slide11.xml><?xml version="1.0" encoding="utf-8"?>
+<p:sld xmlns:a="http://schemas.openxmlformats.org/drawingml/2006/main" xmlns:r="http://schemas.openxmlformats.org/officeDocument/2006/relationships" xmlns:p="http://schemas.openxmlformats.org/presentationml/2006/main">
+  <p:cSld>
+    <p:spTree>
+      <p:nvGrpSpPr>
+        <p:cNvPr id="1" name=""/>
+        <p:cNvGrpSpPr/>
+        <p:nvPr/>
+      </p:nvGrpSpPr>
+      <p:grpSpPr>
+        <a:xfrm>
+          <a:off x="0" y="0"/>
+          <a:ext cx="0" cy="0"/>
+          <a:chOff x="0" y="0"/>
+          <a:chExt cx="0" cy="0"/>
+        </a:xfrm>
+      </p:grpSpPr>
       <p:sp>
         <p:nvSpPr>
           <p:cNvPr id="4" name="TextBox 3">
             <a:extLst>
               <a:ext uri="{FF2B5EF4-FFF2-40B4-BE49-F238E27FC236}">
-                <a16:creationId xmlns="" xmlns:a16="http://schemas.microsoft.com/office/drawing/2014/main" id="{083FBBF3-4E40-46C5-B858-3759171FF255}"/>
+                <a16:creationId xmlns:a16="http://schemas.microsoft.com/office/drawing/2014/main" id="{083FBBF3-4E40-46C5-B858-3759171FF255}"/>
               </a:ext>
             </a:extLst>
           </p:cNvPr>
@@ -3140,7 +3214,7 @@
 </p:sld>
 </file>
 
-<file path=ppt/slides/slide11.xml><?xml version="1.0" encoding="utf-8"?>
+<file path=ppt/slides/slide12.xml><?xml version="1.0" encoding="utf-8"?>
 <p:sld xmlns:a="http://schemas.openxmlformats.org/drawingml/2006/main" xmlns:r="http://schemas.openxmlformats.org/officeDocument/2006/relationships" xmlns:p="http://schemas.openxmlformats.org/presentationml/2006/main">
   <p:cSld>
     <p:spTree>
@@ -3170,7 +3244,7 @@
 </p:sld>
 </file>
 
-<file path=ppt/slides/slide12.xml><?xml version="1.0" encoding="utf-8"?>
+<file path=ppt/slides/slide13.xml><?xml version="1.0" encoding="utf-8"?>
 <p:sld xmlns:a="http://schemas.openxmlformats.org/drawingml/2006/main" xmlns:r="http://schemas.openxmlformats.org/officeDocument/2006/relationships" xmlns:p="http://schemas.openxmlformats.org/presentationml/2006/main">
   <p:cSld>
     <p:spTree>
@@ -3192,7 +3266,7 @@
           <p:cNvPr id="4" name="TextBox 3">
             <a:extLst>
               <a:ext uri="{FF2B5EF4-FFF2-40B4-BE49-F238E27FC236}">
-                <a16:creationId xmlns="" xmlns:a16="http://schemas.microsoft.com/office/drawing/2014/main" id="{083FBBF3-4E40-46C5-B858-3759171FF255}"/>
+                <a16:creationId xmlns:a16="http://schemas.microsoft.com/office/drawing/2014/main" id="{083FBBF3-4E40-46C5-B858-3759171FF255}"/>
               </a:ext>
             </a:extLst>
           </p:cNvPr>
@@ -3201,8 +3275,8 @@
         </p:nvSpPr>
         <p:spPr>
           <a:xfrm>
-            <a:off x="5032313" y="2592926"/>
-            <a:ext cx="1225015" cy="523220"/>
+            <a:off x="4548025" y="2587688"/>
+            <a:ext cx="2627707" cy="523220"/>
           </a:xfrm>
           <a:prstGeom prst="rect">
             <a:avLst/>
@@ -3215,12 +3289,56 @@
           </a:bodyPr>
           <a:lstStyle/>
           <a:p>
-            <a:pPr lvl="0">
+            <a:pPr marL="0" marR="0" lvl="0" indent="0" algn="l" defTabSz="914400" rtl="0" eaLnBrk="1" fontAlgn="auto" latinLnBrk="0" hangingPunct="1">
+              <a:lnSpc>
+                <a:spcPct val="100000"/>
+              </a:lnSpc>
+              <a:spcBef>
+                <a:spcPts val="0"/>
+              </a:spcBef>
+              <a:spcAft>
+                <a:spcPts val="0"/>
+              </a:spcAft>
+              <a:buClrTx/>
+              <a:buSzTx/>
+              <a:buFontTx/>
+              <a:buNone/>
+              <a:tabLst/>
               <a:defRPr/>
             </a:pPr>
             <a:r>
-              <a:rPr lang="en-IN" sz="2800" dirty="0"/>
-              <a:t>NTILE()</a:t>
+              <a:rPr kumimoji="0" lang="en-IN" sz="2800" b="0" i="0" u="none" strike="noStrike" kern="1200" cap="none" spc="0" normalizeH="0" baseline="0" noProof="0" dirty="0" err="1">
+                <a:ln>
+                  <a:noFill/>
+                </a:ln>
+                <a:solidFill>
+                  <a:prstClr val="black"/>
+                </a:solidFill>
+                <a:effectLst/>
+                <a:uLnTx/>
+                <a:uFillTx/>
+                <a:latin typeface="Calibri" panose="020F0502020204030204"/>
+                <a:ea typeface="+mn-ea"/>
+                <a:cs typeface="+mn-cs"/>
+              </a:rPr>
+              <a:t>PERCENT_Rank</a:t>
+            </a:r>
+            <a:r>
+              <a:rPr kumimoji="0" lang="en-IN" sz="2800" b="0" i="0" u="none" strike="noStrike" kern="1200" cap="none" spc="0" normalizeH="0" baseline="0" noProof="0" dirty="0">
+                <a:ln>
+                  <a:noFill/>
+                </a:ln>
+                <a:solidFill>
+                  <a:prstClr val="black"/>
+                </a:solidFill>
+                <a:effectLst/>
+                <a:uLnTx/>
+                <a:uFillTx/>
+                <a:latin typeface="Calibri" panose="020F0502020204030204"/>
+                <a:ea typeface="+mn-ea"/>
+                <a:cs typeface="+mn-cs"/>
+              </a:rPr>
+              <a:t>()</a:t>
             </a:r>
             <a:endParaRPr kumimoji="0" lang="en-US" sz="2800" b="0" i="0" u="none" strike="noStrike" kern="1200" cap="none" spc="0" normalizeH="0" baseline="0" noProof="0" dirty="0">
               <a:ln>
@@ -3242,6 +3360,637 @@
     </p:spTree>
     <p:extLst>
       <p:ext uri="{BB962C8B-B14F-4D97-AF65-F5344CB8AC3E}">
+        <p14:creationId xmlns:p14="http://schemas.microsoft.com/office/powerpoint/2010/main" val="1008005729"/>
+      </p:ext>
+    </p:extLst>
+  </p:cSld>
+  <p:clrMapOvr>
+    <a:masterClrMapping/>
+  </p:clrMapOvr>
+</p:sld>
+</file>
+
+<file path=ppt/slides/slide14.xml><?xml version="1.0" encoding="utf-8"?>
+<p:sld xmlns:a="http://schemas.openxmlformats.org/drawingml/2006/main" xmlns:r="http://schemas.openxmlformats.org/officeDocument/2006/relationships" xmlns:p="http://schemas.openxmlformats.org/presentationml/2006/main">
+  <p:cSld>
+    <p:spTree>
+      <p:nvGrpSpPr>
+        <p:cNvPr id="1" name=""/>
+        <p:cNvGrpSpPr/>
+        <p:nvPr/>
+      </p:nvGrpSpPr>
+      <p:grpSpPr>
+        <a:xfrm>
+          <a:off x="0" y="0"/>
+          <a:ext cx="0" cy="0"/>
+          <a:chOff x="0" y="0"/>
+          <a:chExt cx="0" cy="0"/>
+        </a:xfrm>
+      </p:grpSpPr>
+      <p:pic>
+        <p:nvPicPr>
+          <p:cNvPr id="5" name="Picture 4">
+            <a:extLst>
+              <a:ext uri="{FF2B5EF4-FFF2-40B4-BE49-F238E27FC236}">
+                <a16:creationId xmlns:a16="http://schemas.microsoft.com/office/drawing/2014/main" id="{649166DA-51DD-4ED4-A925-94022A6A069F}"/>
+              </a:ext>
+            </a:extLst>
+          </p:cNvPr>
+          <p:cNvPicPr>
+            <a:picLocks noChangeAspect="1"/>
+          </p:cNvPicPr>
+          <p:nvPr/>
+        </p:nvPicPr>
+        <p:blipFill>
+          <a:blip r:embed="rId2"/>
+          <a:stretch>
+            <a:fillRect/>
+          </a:stretch>
+        </p:blipFill>
+        <p:spPr>
+          <a:xfrm>
+            <a:off x="153411" y="139988"/>
+            <a:ext cx="4667972" cy="3199489"/>
+          </a:xfrm>
+          <a:prstGeom prst="rect">
+            <a:avLst/>
+          </a:prstGeom>
+          <a:ln w="12700">
+            <a:solidFill>
+              <a:schemeClr val="tx1"/>
+            </a:solidFill>
+          </a:ln>
+        </p:spPr>
+      </p:pic>
+      <p:pic>
+        <p:nvPicPr>
+          <p:cNvPr id="3" name="Picture 2">
+            <a:extLst>
+              <a:ext uri="{FF2B5EF4-FFF2-40B4-BE49-F238E27FC236}">
+                <a16:creationId xmlns:a16="http://schemas.microsoft.com/office/drawing/2014/main" id="{E2DDB6FA-BC11-4147-81C4-3D53566EC9B5}"/>
+              </a:ext>
+            </a:extLst>
+          </p:cNvPr>
+          <p:cNvPicPr>
+            <a:picLocks noChangeAspect="1"/>
+          </p:cNvPicPr>
+          <p:nvPr/>
+        </p:nvPicPr>
+        <p:blipFill rotWithShape="1">
+          <a:blip r:embed="rId3"/>
+          <a:srcRect l="8974" t="756" r="2224" b="1107"/>
+          <a:stretch/>
+        </p:blipFill>
+        <p:spPr>
+          <a:xfrm>
+            <a:off x="5089237" y="139988"/>
+            <a:ext cx="2281382" cy="6547139"/>
+          </a:xfrm>
+          <a:prstGeom prst="rect">
+            <a:avLst/>
+          </a:prstGeom>
+          <a:ln w="12700">
+            <a:solidFill>
+              <a:schemeClr val="tx1"/>
+            </a:solidFill>
+          </a:ln>
+        </p:spPr>
+      </p:pic>
+      <p:pic>
+        <p:nvPicPr>
+          <p:cNvPr id="6" name="Picture 5">
+            <a:extLst>
+              <a:ext uri="{FF2B5EF4-FFF2-40B4-BE49-F238E27FC236}">
+                <a16:creationId xmlns:a16="http://schemas.microsoft.com/office/drawing/2014/main" id="{82003AC5-5B35-47AA-8BDD-F7C0D4468676}"/>
+              </a:ext>
+            </a:extLst>
+          </p:cNvPr>
+          <p:cNvPicPr>
+            <a:picLocks noChangeAspect="1"/>
+          </p:cNvPicPr>
+          <p:nvPr/>
+        </p:nvPicPr>
+        <p:blipFill rotWithShape="1">
+          <a:blip r:embed="rId4"/>
+          <a:srcRect l="6876" t="602" r="2396" b="907"/>
+          <a:stretch/>
+        </p:blipFill>
+        <p:spPr>
+          <a:xfrm>
+            <a:off x="7638473" y="139988"/>
+            <a:ext cx="3163654" cy="6547139"/>
+          </a:xfrm>
+          <a:prstGeom prst="rect">
+            <a:avLst/>
+          </a:prstGeom>
+          <a:ln w="15875">
+            <a:solidFill>
+              <a:schemeClr val="tx1"/>
+            </a:solidFill>
+          </a:ln>
+        </p:spPr>
+      </p:pic>
+      <p:sp>
+        <p:nvSpPr>
+          <p:cNvPr id="7" name="Rectangle 6">
+            <a:extLst>
+              <a:ext uri="{FF2B5EF4-FFF2-40B4-BE49-F238E27FC236}">
+                <a16:creationId xmlns:a16="http://schemas.microsoft.com/office/drawing/2014/main" id="{B1DE7F49-2015-41E1-B897-ACD313A7FD20}"/>
+              </a:ext>
+            </a:extLst>
+          </p:cNvPr>
+          <p:cNvSpPr/>
+          <p:nvPr/>
+        </p:nvSpPr>
+        <p:spPr>
+          <a:xfrm>
+            <a:off x="7638473" y="277091"/>
+            <a:ext cx="3163654" cy="480291"/>
+          </a:xfrm>
+          <a:prstGeom prst="rect">
+            <a:avLst/>
+          </a:prstGeom>
+          <a:noFill/>
+          <a:ln>
+            <a:solidFill>
+              <a:srgbClr val="FF0000"/>
+            </a:solidFill>
+          </a:ln>
+        </p:spPr>
+        <p:style>
+          <a:lnRef idx="2">
+            <a:schemeClr val="accent1">
+              <a:shade val="50000"/>
+            </a:schemeClr>
+          </a:lnRef>
+          <a:fillRef idx="1">
+            <a:schemeClr val="accent1"/>
+          </a:fillRef>
+          <a:effectRef idx="0">
+            <a:schemeClr val="accent1"/>
+          </a:effectRef>
+          <a:fontRef idx="minor">
+            <a:schemeClr val="lt1"/>
+          </a:fontRef>
+        </p:style>
+        <p:txBody>
+          <a:bodyPr rtlCol="0" anchor="ctr"/>
+          <a:lstStyle/>
+          <a:p>
+            <a:pPr algn="ctr"/>
+            <a:endParaRPr lang="en-IN"/>
+          </a:p>
+        </p:txBody>
+      </p:sp>
+      <p:sp>
+        <p:nvSpPr>
+          <p:cNvPr id="8" name="Rectangle 7">
+            <a:extLst>
+              <a:ext uri="{FF2B5EF4-FFF2-40B4-BE49-F238E27FC236}">
+                <a16:creationId xmlns:a16="http://schemas.microsoft.com/office/drawing/2014/main" id="{F534B009-1006-4A52-80C0-1E61F6F8273F}"/>
+              </a:ext>
+            </a:extLst>
+          </p:cNvPr>
+          <p:cNvSpPr/>
+          <p:nvPr/>
+        </p:nvSpPr>
+        <p:spPr>
+          <a:xfrm>
+            <a:off x="7638473" y="757382"/>
+            <a:ext cx="3163654" cy="932873"/>
+          </a:xfrm>
+          <a:prstGeom prst="rect">
+            <a:avLst/>
+          </a:prstGeom>
+          <a:noFill/>
+          <a:ln>
+            <a:solidFill>
+              <a:srgbClr val="FF0000"/>
+            </a:solidFill>
+          </a:ln>
+        </p:spPr>
+        <p:style>
+          <a:lnRef idx="2">
+            <a:schemeClr val="accent1">
+              <a:shade val="50000"/>
+            </a:schemeClr>
+          </a:lnRef>
+          <a:fillRef idx="1">
+            <a:schemeClr val="accent1"/>
+          </a:fillRef>
+          <a:effectRef idx="0">
+            <a:schemeClr val="accent1"/>
+          </a:effectRef>
+          <a:fontRef idx="minor">
+            <a:schemeClr val="lt1"/>
+          </a:fontRef>
+        </p:style>
+        <p:txBody>
+          <a:bodyPr rtlCol="0" anchor="ctr"/>
+          <a:lstStyle/>
+          <a:p>
+            <a:pPr algn="ctr"/>
+            <a:endParaRPr lang="en-IN"/>
+          </a:p>
+        </p:txBody>
+      </p:sp>
+      <p:sp>
+        <p:nvSpPr>
+          <p:cNvPr id="9" name="Rectangle 8">
+            <a:extLst>
+              <a:ext uri="{FF2B5EF4-FFF2-40B4-BE49-F238E27FC236}">
+                <a16:creationId xmlns:a16="http://schemas.microsoft.com/office/drawing/2014/main" id="{836A2E9D-3C2F-409B-99E0-0D39BBEC5AA1}"/>
+              </a:ext>
+            </a:extLst>
+          </p:cNvPr>
+          <p:cNvSpPr/>
+          <p:nvPr/>
+        </p:nvSpPr>
+        <p:spPr>
+          <a:xfrm>
+            <a:off x="7638473" y="1690255"/>
+            <a:ext cx="3163654" cy="1293090"/>
+          </a:xfrm>
+          <a:prstGeom prst="rect">
+            <a:avLst/>
+          </a:prstGeom>
+          <a:noFill/>
+          <a:ln>
+            <a:solidFill>
+              <a:srgbClr val="FF0000"/>
+            </a:solidFill>
+          </a:ln>
+        </p:spPr>
+        <p:style>
+          <a:lnRef idx="2">
+            <a:schemeClr val="accent1">
+              <a:shade val="50000"/>
+            </a:schemeClr>
+          </a:lnRef>
+          <a:fillRef idx="1">
+            <a:schemeClr val="accent1"/>
+          </a:fillRef>
+          <a:effectRef idx="0">
+            <a:schemeClr val="accent1"/>
+          </a:effectRef>
+          <a:fontRef idx="minor">
+            <a:schemeClr val="lt1"/>
+          </a:fontRef>
+        </p:style>
+        <p:txBody>
+          <a:bodyPr rtlCol="0" anchor="ctr"/>
+          <a:lstStyle/>
+          <a:p>
+            <a:pPr algn="ctr"/>
+            <a:endParaRPr lang="en-IN"/>
+          </a:p>
+        </p:txBody>
+      </p:sp>
+      <p:sp>
+        <p:nvSpPr>
+          <p:cNvPr id="10" name="Rectangle 9">
+            <a:extLst>
+              <a:ext uri="{FF2B5EF4-FFF2-40B4-BE49-F238E27FC236}">
+                <a16:creationId xmlns:a16="http://schemas.microsoft.com/office/drawing/2014/main" id="{2F9A7E4A-4FF8-4C01-9CCE-05F7C2246490}"/>
+              </a:ext>
+            </a:extLst>
+          </p:cNvPr>
+          <p:cNvSpPr/>
+          <p:nvPr/>
+        </p:nvSpPr>
+        <p:spPr>
+          <a:xfrm>
+            <a:off x="7638473" y="2987963"/>
+            <a:ext cx="3163654" cy="789710"/>
+          </a:xfrm>
+          <a:prstGeom prst="rect">
+            <a:avLst/>
+          </a:prstGeom>
+          <a:noFill/>
+          <a:ln>
+            <a:solidFill>
+              <a:srgbClr val="FF0000"/>
+            </a:solidFill>
+          </a:ln>
+        </p:spPr>
+        <p:style>
+          <a:lnRef idx="2">
+            <a:schemeClr val="accent1">
+              <a:shade val="50000"/>
+            </a:schemeClr>
+          </a:lnRef>
+          <a:fillRef idx="1">
+            <a:schemeClr val="accent1"/>
+          </a:fillRef>
+          <a:effectRef idx="0">
+            <a:schemeClr val="accent1"/>
+          </a:effectRef>
+          <a:fontRef idx="minor">
+            <a:schemeClr val="lt1"/>
+          </a:fontRef>
+        </p:style>
+        <p:txBody>
+          <a:bodyPr rtlCol="0" anchor="ctr"/>
+          <a:lstStyle/>
+          <a:p>
+            <a:pPr algn="ctr"/>
+            <a:endParaRPr lang="en-IN"/>
+          </a:p>
+        </p:txBody>
+      </p:sp>
+      <p:sp>
+        <p:nvSpPr>
+          <p:cNvPr id="11" name="Rectangle 10">
+            <a:extLst>
+              <a:ext uri="{FF2B5EF4-FFF2-40B4-BE49-F238E27FC236}">
+                <a16:creationId xmlns:a16="http://schemas.microsoft.com/office/drawing/2014/main" id="{2E0D450B-A9F8-4194-8028-628BE6A04B74}"/>
+              </a:ext>
+            </a:extLst>
+          </p:cNvPr>
+          <p:cNvSpPr/>
+          <p:nvPr/>
+        </p:nvSpPr>
+        <p:spPr>
+          <a:xfrm>
+            <a:off x="7638473" y="3777673"/>
+            <a:ext cx="3163654" cy="1108363"/>
+          </a:xfrm>
+          <a:prstGeom prst="rect">
+            <a:avLst/>
+          </a:prstGeom>
+          <a:noFill/>
+          <a:ln>
+            <a:solidFill>
+              <a:srgbClr val="FF0000"/>
+            </a:solidFill>
+          </a:ln>
+        </p:spPr>
+        <p:style>
+          <a:lnRef idx="2">
+            <a:schemeClr val="accent1">
+              <a:shade val="50000"/>
+            </a:schemeClr>
+          </a:lnRef>
+          <a:fillRef idx="1">
+            <a:schemeClr val="accent1"/>
+          </a:fillRef>
+          <a:effectRef idx="0">
+            <a:schemeClr val="accent1"/>
+          </a:effectRef>
+          <a:fontRef idx="minor">
+            <a:schemeClr val="lt1"/>
+          </a:fontRef>
+        </p:style>
+        <p:txBody>
+          <a:bodyPr rtlCol="0" anchor="ctr"/>
+          <a:lstStyle/>
+          <a:p>
+            <a:pPr algn="ctr"/>
+            <a:endParaRPr lang="en-IN"/>
+          </a:p>
+        </p:txBody>
+      </p:sp>
+      <p:sp>
+        <p:nvSpPr>
+          <p:cNvPr id="12" name="Rectangle 11">
+            <a:extLst>
+              <a:ext uri="{FF2B5EF4-FFF2-40B4-BE49-F238E27FC236}">
+                <a16:creationId xmlns:a16="http://schemas.microsoft.com/office/drawing/2014/main" id="{8C2D8DCF-7BF4-4C48-9EE1-CCEFCCF6E1AC}"/>
+              </a:ext>
+            </a:extLst>
+          </p:cNvPr>
+          <p:cNvSpPr/>
+          <p:nvPr/>
+        </p:nvSpPr>
+        <p:spPr>
+          <a:xfrm>
+            <a:off x="7638473" y="4886036"/>
+            <a:ext cx="3163654" cy="480291"/>
+          </a:xfrm>
+          <a:prstGeom prst="rect">
+            <a:avLst/>
+          </a:prstGeom>
+          <a:noFill/>
+          <a:ln>
+            <a:solidFill>
+              <a:srgbClr val="FF0000"/>
+            </a:solidFill>
+          </a:ln>
+        </p:spPr>
+        <p:style>
+          <a:lnRef idx="2">
+            <a:schemeClr val="accent1">
+              <a:shade val="50000"/>
+            </a:schemeClr>
+          </a:lnRef>
+          <a:fillRef idx="1">
+            <a:schemeClr val="accent1"/>
+          </a:fillRef>
+          <a:effectRef idx="0">
+            <a:schemeClr val="accent1"/>
+          </a:effectRef>
+          <a:fontRef idx="minor">
+            <a:schemeClr val="lt1"/>
+          </a:fontRef>
+        </p:style>
+        <p:txBody>
+          <a:bodyPr rtlCol="0" anchor="ctr"/>
+          <a:lstStyle/>
+          <a:p>
+            <a:pPr algn="ctr"/>
+            <a:endParaRPr lang="en-IN"/>
+          </a:p>
+        </p:txBody>
+      </p:sp>
+      <p:sp>
+        <p:nvSpPr>
+          <p:cNvPr id="13" name="Rectangle 12">
+            <a:extLst>
+              <a:ext uri="{FF2B5EF4-FFF2-40B4-BE49-F238E27FC236}">
+                <a16:creationId xmlns:a16="http://schemas.microsoft.com/office/drawing/2014/main" id="{E1509DF7-D14C-4262-B69C-96B24789D3B5}"/>
+              </a:ext>
+            </a:extLst>
+          </p:cNvPr>
+          <p:cNvSpPr/>
+          <p:nvPr/>
+        </p:nvSpPr>
+        <p:spPr>
+          <a:xfrm>
+            <a:off x="7638473" y="6326909"/>
+            <a:ext cx="3163654" cy="369454"/>
+          </a:xfrm>
+          <a:prstGeom prst="rect">
+            <a:avLst/>
+          </a:prstGeom>
+          <a:noFill/>
+          <a:ln>
+            <a:solidFill>
+              <a:srgbClr val="FF0000"/>
+            </a:solidFill>
+          </a:ln>
+        </p:spPr>
+        <p:style>
+          <a:lnRef idx="2">
+            <a:schemeClr val="accent1">
+              <a:shade val="50000"/>
+            </a:schemeClr>
+          </a:lnRef>
+          <a:fillRef idx="1">
+            <a:schemeClr val="accent1"/>
+          </a:fillRef>
+          <a:effectRef idx="0">
+            <a:schemeClr val="accent1"/>
+          </a:effectRef>
+          <a:fontRef idx="minor">
+            <a:schemeClr val="lt1"/>
+          </a:fontRef>
+        </p:style>
+        <p:txBody>
+          <a:bodyPr rtlCol="0" anchor="ctr"/>
+          <a:lstStyle/>
+          <a:p>
+            <a:pPr algn="ctr"/>
+            <a:endParaRPr lang="en-IN"/>
+          </a:p>
+        </p:txBody>
+      </p:sp>
+      <p:sp>
+        <p:nvSpPr>
+          <p:cNvPr id="14" name="Rectangle 13">
+            <a:extLst>
+              <a:ext uri="{FF2B5EF4-FFF2-40B4-BE49-F238E27FC236}">
+                <a16:creationId xmlns:a16="http://schemas.microsoft.com/office/drawing/2014/main" id="{BFBE7590-E342-4539-AF6D-A3B95B23FCDA}"/>
+              </a:ext>
+            </a:extLst>
+          </p:cNvPr>
+          <p:cNvSpPr/>
+          <p:nvPr/>
+        </p:nvSpPr>
+        <p:spPr>
+          <a:xfrm>
+            <a:off x="7638473" y="5370945"/>
+            <a:ext cx="3163654" cy="946728"/>
+          </a:xfrm>
+          <a:prstGeom prst="rect">
+            <a:avLst/>
+          </a:prstGeom>
+          <a:noFill/>
+          <a:ln>
+            <a:solidFill>
+              <a:srgbClr val="FF0000"/>
+            </a:solidFill>
+          </a:ln>
+        </p:spPr>
+        <p:style>
+          <a:lnRef idx="2">
+            <a:schemeClr val="accent1">
+              <a:shade val="50000"/>
+            </a:schemeClr>
+          </a:lnRef>
+          <a:fillRef idx="1">
+            <a:schemeClr val="accent1"/>
+          </a:fillRef>
+          <a:effectRef idx="0">
+            <a:schemeClr val="accent1"/>
+          </a:effectRef>
+          <a:fontRef idx="minor">
+            <a:schemeClr val="lt1"/>
+          </a:fontRef>
+        </p:style>
+        <p:txBody>
+          <a:bodyPr rtlCol="0" anchor="ctr"/>
+          <a:lstStyle/>
+          <a:p>
+            <a:pPr algn="ctr"/>
+            <a:endParaRPr lang="en-IN"/>
+          </a:p>
+        </p:txBody>
+      </p:sp>
+    </p:spTree>
+    <p:extLst>
+      <p:ext uri="{BB962C8B-B14F-4D97-AF65-F5344CB8AC3E}">
+        <p14:creationId xmlns:p14="http://schemas.microsoft.com/office/powerpoint/2010/main" val="4155952377"/>
+      </p:ext>
+    </p:extLst>
+  </p:cSld>
+  <p:clrMapOvr>
+    <a:masterClrMapping/>
+  </p:clrMapOvr>
+</p:sld>
+</file>
+
+<file path=ppt/slides/slide15.xml><?xml version="1.0" encoding="utf-8"?>
+<p:sld xmlns:a="http://schemas.openxmlformats.org/drawingml/2006/main" xmlns:r="http://schemas.openxmlformats.org/officeDocument/2006/relationships" xmlns:p="http://schemas.openxmlformats.org/presentationml/2006/main">
+  <p:cSld>
+    <p:spTree>
+      <p:nvGrpSpPr>
+        <p:cNvPr id="1" name=""/>
+        <p:cNvGrpSpPr/>
+        <p:nvPr/>
+      </p:nvGrpSpPr>
+      <p:grpSpPr>
+        <a:xfrm>
+          <a:off x="0" y="0"/>
+          <a:ext cx="0" cy="0"/>
+          <a:chOff x="0" y="0"/>
+          <a:chExt cx="0" cy="0"/>
+        </a:xfrm>
+      </p:grpSpPr>
+      <p:sp>
+        <p:nvSpPr>
+          <p:cNvPr id="4" name="TextBox 3">
+            <a:extLst>
+              <a:ext uri="{FF2B5EF4-FFF2-40B4-BE49-F238E27FC236}">
+                <a16:creationId xmlns:a16="http://schemas.microsoft.com/office/drawing/2014/main" id="{083FBBF3-4E40-46C5-B858-3759171FF255}"/>
+              </a:ext>
+            </a:extLst>
+          </p:cNvPr>
+          <p:cNvSpPr txBox="1"/>
+          <p:nvPr/>
+        </p:nvSpPr>
+        <p:spPr>
+          <a:xfrm>
+            <a:off x="5032313" y="2592926"/>
+            <a:ext cx="1225015" cy="523220"/>
+          </a:xfrm>
+          <a:prstGeom prst="rect">
+            <a:avLst/>
+          </a:prstGeom>
+          <a:noFill/>
+        </p:spPr>
+        <p:txBody>
+          <a:bodyPr wrap="none" rtlCol="0">
+            <a:spAutoFit/>
+          </a:bodyPr>
+          <a:lstStyle/>
+          <a:p>
+            <a:pPr lvl="0">
+              <a:defRPr/>
+            </a:pPr>
+            <a:r>
+              <a:rPr lang="en-IN" sz="2800" dirty="0"/>
+              <a:t>NTILE()</a:t>
+            </a:r>
+            <a:endParaRPr kumimoji="0" lang="en-US" sz="2800" b="0" i="0" u="none" strike="noStrike" kern="1200" cap="none" spc="0" normalizeH="0" baseline="0" noProof="0" dirty="0">
+              <a:ln>
+                <a:noFill/>
+              </a:ln>
+              <a:solidFill>
+                <a:prstClr val="black"/>
+              </a:solidFill>
+              <a:effectLst/>
+              <a:uLnTx/>
+              <a:uFillTx/>
+              <a:latin typeface="Calibri" panose="020F0502020204030204"/>
+              <a:ea typeface="+mn-ea"/>
+              <a:cs typeface="+mn-cs"/>
+            </a:endParaRPr>
+          </a:p>
+        </p:txBody>
+      </p:sp>
+    </p:spTree>
+    <p:extLst>
+      <p:ext uri="{BB962C8B-B14F-4D97-AF65-F5344CB8AC3E}">
         <p14:creationId xmlns:p14="http://schemas.microsoft.com/office/powerpoint/2010/main" val="2348552381"/>
       </p:ext>
     </p:extLst>
@@ -3252,7 +4001,7 @@
 </p:sld>
 </file>
 
-<file path=ppt/slides/slide13.xml><?xml version="1.0" encoding="utf-8"?>
+<file path=ppt/slides/slide16.xml><?xml version="1.0" encoding="utf-8"?>
 <p:sld xmlns:a="http://schemas.openxmlformats.org/drawingml/2006/main" xmlns:r="http://schemas.openxmlformats.org/officeDocument/2006/relationships" xmlns:p="http://schemas.openxmlformats.org/presentationml/2006/main">
   <p:cSld>
     <p:spTree>
@@ -3586,7 +4335,7 @@
 </p:sld>
 </file>
 
-<file path=ppt/slides/slide14.xml><?xml version="1.0" encoding="utf-8"?>
+<file path=ppt/slides/slide17.xml><?xml version="1.0" encoding="utf-8"?>
 <p:sld xmlns:a="http://schemas.openxmlformats.org/drawingml/2006/main" xmlns:r="http://schemas.openxmlformats.org/officeDocument/2006/relationships" xmlns:p="http://schemas.openxmlformats.org/presentationml/2006/main">
   <p:cSld>
     <p:spTree>
@@ -4189,46 +4938,12 @@
           <a:chExt cx="0" cy="0"/>
         </a:xfrm>
       </p:grpSpPr>
-      <p:pic>
-        <p:nvPicPr>
-          <p:cNvPr id="8" name="Picture 7">
+      <p:sp>
+        <p:nvSpPr>
+          <p:cNvPr id="4" name="TextBox 3">
             <a:extLst>
               <a:ext uri="{FF2B5EF4-FFF2-40B4-BE49-F238E27FC236}">
-                <a16:creationId xmlns="" xmlns:a16="http://schemas.microsoft.com/office/drawing/2014/main" id="{372936A1-192D-4B19-A6D9-E2092AEE3EA3}"/>
-              </a:ext>
-            </a:extLst>
-          </p:cNvPr>
-          <p:cNvPicPr>
-            <a:picLocks noChangeAspect="1"/>
-          </p:cNvPicPr>
-          <p:nvPr/>
-        </p:nvPicPr>
-        <p:blipFill rotWithShape="1">
-          <a:blip r:embed="rId2"/>
-          <a:srcRect l="2380" t="2538" r="6166" b="13356"/>
-          <a:stretch/>
-        </p:blipFill>
-        <p:spPr>
-          <a:xfrm>
-            <a:off x="337929" y="964097"/>
-            <a:ext cx="4581941" cy="2395330"/>
-          </a:xfrm>
-          <a:prstGeom prst="rect">
-            <a:avLst/>
-          </a:prstGeom>
-          <a:ln w="19050">
-            <a:solidFill>
-              <a:schemeClr val="tx1"/>
-            </a:solidFill>
-          </a:ln>
-        </p:spPr>
-      </p:pic>
-      <p:sp>
-        <p:nvSpPr>
-          <p:cNvPr id="9" name="TextBox 8">
-            <a:extLst>
-              <a:ext uri="{FF2B5EF4-FFF2-40B4-BE49-F238E27FC236}">
-                <a16:creationId xmlns="" xmlns:a16="http://schemas.microsoft.com/office/drawing/2014/main" id="{C6E42B2F-E04B-4C4D-91DA-9F10D023932E}"/>
+                <a16:creationId xmlns:a16="http://schemas.microsoft.com/office/drawing/2014/main" id="{083FBBF3-4E40-46C5-B858-3759171FF255}"/>
               </a:ext>
             </a:extLst>
           </p:cNvPr>
@@ -4237,8 +4952,8 @@
         </p:nvSpPr>
         <p:spPr>
           <a:xfrm>
-            <a:off x="218661" y="178904"/>
-            <a:ext cx="5398850" cy="369332"/>
+            <a:off x="4847485" y="2905780"/>
+            <a:ext cx="2497030" cy="523220"/>
           </a:xfrm>
           <a:prstGeom prst="rect">
             <a:avLst/>
@@ -4252,55 +4967,17 @@
           <a:lstStyle/>
           <a:p>
             <a:r>
-              <a:rPr lang="en-IN" dirty="0"/>
-              <a:t>1_ROW_NUMBER()-</a:t>
-            </a:r>
-            <a:r>
-              <a:rPr lang="en-IN" dirty="0" err="1"/>
-              <a:t>basic_Window-Function_SQL.ipynb</a:t>
-            </a:r>
-            <a:endParaRPr lang="en-US" dirty="0"/>
-          </a:p>
-        </p:txBody>
-      </p:sp>
-      <p:pic>
-        <p:nvPicPr>
-          <p:cNvPr id="11" name="Picture 10">
-            <a:extLst>
-              <a:ext uri="{FF2B5EF4-FFF2-40B4-BE49-F238E27FC236}">
-                <a16:creationId xmlns="" xmlns:a16="http://schemas.microsoft.com/office/drawing/2014/main" id="{94EDA909-FC1B-4571-B219-273505327D89}"/>
-              </a:ext>
-            </a:extLst>
-          </p:cNvPr>
-          <p:cNvPicPr>
-            <a:picLocks noChangeAspect="1"/>
-          </p:cNvPicPr>
-          <p:nvPr/>
-        </p:nvPicPr>
-        <p:blipFill rotWithShape="1">
-          <a:blip r:embed="rId3"/>
-          <a:srcRect l="3290" t="4159" r="4828" b="7750"/>
-          <a:stretch/>
-        </p:blipFill>
-        <p:spPr>
-          <a:xfrm>
-            <a:off x="5294244" y="964097"/>
-            <a:ext cx="4091592" cy="2395330"/>
-          </a:xfrm>
-          <a:prstGeom prst="rect">
-            <a:avLst/>
-          </a:prstGeom>
-          <a:ln w="15875">
-            <a:solidFill>
-              <a:schemeClr val="tx1"/>
-            </a:solidFill>
-          </a:ln>
-        </p:spPr>
-      </p:pic>
+              <a:rPr lang="en-IN" sz="2800" dirty="0"/>
+              <a:t>Row_Number( )</a:t>
+            </a:r>
+            <a:endParaRPr lang="en-US" sz="2800" dirty="0"/>
+          </a:p>
+        </p:txBody>
+      </p:sp>
     </p:spTree>
     <p:extLst>
       <p:ext uri="{BB962C8B-B14F-4D97-AF65-F5344CB8AC3E}">
-        <p14:creationId xmlns:p14="http://schemas.microsoft.com/office/powerpoint/2010/main" val="1829049795"/>
+        <p14:creationId xmlns:p14="http://schemas.microsoft.com/office/powerpoint/2010/main" val="2320350737"/>
       </p:ext>
     </p:extLst>
   </p:cSld>
@@ -4329,10 +5006,10 @@
       </p:grpSpPr>
       <p:pic>
         <p:nvPicPr>
-          <p:cNvPr id="3" name="Picture 2">
+          <p:cNvPr id="8" name="Picture 7">
             <a:extLst>
               <a:ext uri="{FF2B5EF4-FFF2-40B4-BE49-F238E27FC236}">
-                <a16:creationId xmlns="" xmlns:a16="http://schemas.microsoft.com/office/drawing/2014/main" id="{311FB5B5-08E9-41B1-834C-E92E1EED90B4}"/>
+                <a16:creationId xmlns:a16="http://schemas.microsoft.com/office/drawing/2014/main" id="{372936A1-192D-4B19-A6D9-E2092AEE3EA3}"/>
               </a:ext>
             </a:extLst>
           </p:cNvPr>
@@ -4343,30 +5020,70 @@
         </p:nvPicPr>
         <p:blipFill rotWithShape="1">
           <a:blip r:embed="rId2"/>
-          <a:srcRect b="1272"/>
+          <a:srcRect l="2380" t="2538" r="6166" b="13356"/>
           <a:stretch/>
         </p:blipFill>
         <p:spPr>
           <a:xfrm>
-            <a:off x="275394" y="747920"/>
-            <a:ext cx="3573953" cy="4986959"/>
-          </a:xfrm>
-          <a:prstGeom prst="rect">
-            <a:avLst/>
-          </a:prstGeom>
-          <a:ln w="15875">
+            <a:off x="337929" y="964097"/>
+            <a:ext cx="4581941" cy="2395330"/>
+          </a:xfrm>
+          <a:prstGeom prst="rect">
+            <a:avLst/>
+          </a:prstGeom>
+          <a:ln w="19050">
             <a:solidFill>
               <a:schemeClr val="tx1"/>
             </a:solidFill>
           </a:ln>
         </p:spPr>
       </p:pic>
+      <p:sp>
+        <p:nvSpPr>
+          <p:cNvPr id="9" name="TextBox 8">
+            <a:extLst>
+              <a:ext uri="{FF2B5EF4-FFF2-40B4-BE49-F238E27FC236}">
+                <a16:creationId xmlns:a16="http://schemas.microsoft.com/office/drawing/2014/main" id="{C6E42B2F-E04B-4C4D-91DA-9F10D023932E}"/>
+              </a:ext>
+            </a:extLst>
+          </p:cNvPr>
+          <p:cNvSpPr txBox="1"/>
+          <p:nvPr/>
+        </p:nvSpPr>
+        <p:spPr>
+          <a:xfrm>
+            <a:off x="218661" y="178904"/>
+            <a:ext cx="5398850" cy="369332"/>
+          </a:xfrm>
+          <a:prstGeom prst="rect">
+            <a:avLst/>
+          </a:prstGeom>
+          <a:noFill/>
+        </p:spPr>
+        <p:txBody>
+          <a:bodyPr wrap="none" rtlCol="0">
+            <a:spAutoFit/>
+          </a:bodyPr>
+          <a:lstStyle/>
+          <a:p>
+            <a:r>
+              <a:rPr lang="en-IN" dirty="0"/>
+              <a:t>1_ROW_NUMBER()-</a:t>
+            </a:r>
+            <a:r>
+              <a:rPr lang="en-IN" dirty="0" err="1"/>
+              <a:t>basic_Window-Function_SQL.ipynb</a:t>
+            </a:r>
+            <a:endParaRPr lang="en-US" dirty="0"/>
+          </a:p>
+        </p:txBody>
+      </p:sp>
       <p:pic>
         <p:nvPicPr>
-          <p:cNvPr id="4" name="Picture 3">
+          <p:cNvPr id="11" name="Picture 10">
             <a:extLst>
               <a:ext uri="{FF2B5EF4-FFF2-40B4-BE49-F238E27FC236}">
-                <a16:creationId xmlns="" xmlns:a16="http://schemas.microsoft.com/office/drawing/2014/main" id="{61809816-BEFB-4527-89F0-8E9E52DDD171}"/>
+                <a16:creationId xmlns:a16="http://schemas.microsoft.com/office/drawing/2014/main" id="{94EDA909-FC1B-4571-B219-273505327D89}"/>
               </a:ext>
             </a:extLst>
           </p:cNvPr>
@@ -4377,13 +5094,13 @@
         </p:nvPicPr>
         <p:blipFill rotWithShape="1">
           <a:blip r:embed="rId3"/>
-          <a:srcRect l="1600" r="7315" b="1102"/>
+          <a:srcRect l="3290" t="4159" r="4828" b="7750"/>
           <a:stretch/>
         </p:blipFill>
         <p:spPr>
           <a:xfrm>
-            <a:off x="3925964" y="747921"/>
-            <a:ext cx="3373759" cy="4986958"/>
+            <a:off x="5294244" y="964097"/>
+            <a:ext cx="4091592" cy="2395330"/>
           </a:xfrm>
           <a:prstGeom prst="rect">
             <a:avLst/>
@@ -4395,50 +5112,10 @@
           </a:ln>
         </p:spPr>
       </p:pic>
-      <p:sp>
-        <p:nvSpPr>
-          <p:cNvPr id="2" name="TextBox 1">
-            <a:extLst>
-              <a:ext uri="{FF2B5EF4-FFF2-40B4-BE49-F238E27FC236}">
-                <a16:creationId xmlns="" xmlns:a16="http://schemas.microsoft.com/office/drawing/2014/main" id="{236C618B-A7EE-4772-9AA1-9A2E44FCA263}"/>
-              </a:ext>
-            </a:extLst>
-          </p:cNvPr>
-          <p:cNvSpPr txBox="1"/>
-          <p:nvPr/>
-        </p:nvSpPr>
-        <p:spPr>
-          <a:xfrm>
-            <a:off x="477078" y="178906"/>
-            <a:ext cx="4855432" cy="369332"/>
-          </a:xfrm>
-          <a:prstGeom prst="rect">
-            <a:avLst/>
-          </a:prstGeom>
-          <a:noFill/>
-        </p:spPr>
-        <p:txBody>
-          <a:bodyPr wrap="none" rtlCol="0">
-            <a:spAutoFit/>
-          </a:bodyPr>
-          <a:lstStyle/>
-          <a:p>
-            <a:r>
-              <a:rPr lang="en-IN" dirty="0"/>
-              <a:t>2_ROW_NUMBER()_Window-</a:t>
-            </a:r>
-            <a:r>
-              <a:rPr lang="en-IN" dirty="0" err="1"/>
-              <a:t>Function_SQL.ipynb</a:t>
-            </a:r>
-            <a:endParaRPr lang="en-US" dirty="0"/>
-          </a:p>
-        </p:txBody>
-      </p:sp>
     </p:spTree>
     <p:extLst>
       <p:ext uri="{BB962C8B-B14F-4D97-AF65-F5344CB8AC3E}">
-        <p14:creationId xmlns:p14="http://schemas.microsoft.com/office/powerpoint/2010/main" val="2116929862"/>
+        <p14:creationId xmlns:p14="http://schemas.microsoft.com/office/powerpoint/2010/main" val="1829049795"/>
       </p:ext>
     </p:extLst>
   </p:cSld>
@@ -4470,7 +5147,7 @@
           <p:cNvPr id="3" name="Picture 2">
             <a:extLst>
               <a:ext uri="{FF2B5EF4-FFF2-40B4-BE49-F238E27FC236}">
-                <a16:creationId xmlns="" xmlns:a16="http://schemas.microsoft.com/office/drawing/2014/main" id="{CA3D680D-56E5-46E4-85FB-31FF516360EB}"/>
+                <a16:creationId xmlns:a16="http://schemas.microsoft.com/office/drawing/2014/main" id="{311FB5B5-08E9-41B1-834C-E92E1EED90B4}"/>
               </a:ext>
             </a:extLst>
           </p:cNvPr>
@@ -4481,13 +5158,13 @@
         </p:nvPicPr>
         <p:blipFill rotWithShape="1">
           <a:blip r:embed="rId2"/>
-          <a:srcRect l="1600" r="7315" b="1102"/>
+          <a:srcRect b="1272"/>
           <a:stretch/>
         </p:blipFill>
         <p:spPr>
           <a:xfrm>
-            <a:off x="298173" y="139148"/>
-            <a:ext cx="3422509" cy="5059018"/>
+            <a:off x="275394" y="747920"/>
+            <a:ext cx="3573953" cy="4986959"/>
           </a:xfrm>
           <a:prstGeom prst="rect">
             <a:avLst/>
@@ -4501,10 +5178,10 @@
       </p:pic>
       <p:pic>
         <p:nvPicPr>
-          <p:cNvPr id="5" name="Picture 4">
+          <p:cNvPr id="4" name="Picture 3">
             <a:extLst>
               <a:ext uri="{FF2B5EF4-FFF2-40B4-BE49-F238E27FC236}">
-                <a16:creationId xmlns="" xmlns:a16="http://schemas.microsoft.com/office/drawing/2014/main" id="{3AE8C498-83C2-4F6E-BAC2-45865D041512}"/>
+                <a16:creationId xmlns:a16="http://schemas.microsoft.com/office/drawing/2014/main" id="{61809816-BEFB-4527-89F0-8E9E52DDD171}"/>
               </a:ext>
             </a:extLst>
           </p:cNvPr>
@@ -4515,13 +5192,13 @@
         </p:nvPicPr>
         <p:blipFill rotWithShape="1">
           <a:blip r:embed="rId3"/>
-          <a:srcRect r="6094" b="861"/>
+          <a:srcRect l="1600" r="7315" b="1102"/>
           <a:stretch/>
         </p:blipFill>
         <p:spPr>
           <a:xfrm>
-            <a:off x="3805314" y="139147"/>
-            <a:ext cx="3774277" cy="5059018"/>
+            <a:off x="3925964" y="747921"/>
+            <a:ext cx="3373759" cy="4986958"/>
           </a:xfrm>
           <a:prstGeom prst="rect">
             <a:avLst/>
@@ -4533,10 +5210,50 @@
           </a:ln>
         </p:spPr>
       </p:pic>
+      <p:sp>
+        <p:nvSpPr>
+          <p:cNvPr id="2" name="TextBox 1">
+            <a:extLst>
+              <a:ext uri="{FF2B5EF4-FFF2-40B4-BE49-F238E27FC236}">
+                <a16:creationId xmlns:a16="http://schemas.microsoft.com/office/drawing/2014/main" id="{236C618B-A7EE-4772-9AA1-9A2E44FCA263}"/>
+              </a:ext>
+            </a:extLst>
+          </p:cNvPr>
+          <p:cNvSpPr txBox="1"/>
+          <p:nvPr/>
+        </p:nvSpPr>
+        <p:spPr>
+          <a:xfrm>
+            <a:off x="477078" y="178906"/>
+            <a:ext cx="4855432" cy="369332"/>
+          </a:xfrm>
+          <a:prstGeom prst="rect">
+            <a:avLst/>
+          </a:prstGeom>
+          <a:noFill/>
+        </p:spPr>
+        <p:txBody>
+          <a:bodyPr wrap="none" rtlCol="0">
+            <a:spAutoFit/>
+          </a:bodyPr>
+          <a:lstStyle/>
+          <a:p>
+            <a:r>
+              <a:rPr lang="en-IN" dirty="0"/>
+              <a:t>2_ROW_NUMBER()_Window-</a:t>
+            </a:r>
+            <a:r>
+              <a:rPr lang="en-IN" dirty="0" err="1"/>
+              <a:t>Function_SQL.ipynb</a:t>
+            </a:r>
+            <a:endParaRPr lang="en-US" dirty="0"/>
+          </a:p>
+        </p:txBody>
+      </p:sp>
     </p:spTree>
     <p:extLst>
       <p:ext uri="{BB962C8B-B14F-4D97-AF65-F5344CB8AC3E}">
-        <p14:creationId xmlns:p14="http://schemas.microsoft.com/office/powerpoint/2010/main" val="3920182343"/>
+        <p14:creationId xmlns:p14="http://schemas.microsoft.com/office/powerpoint/2010/main" val="2116929862"/>
       </p:ext>
     </p:extLst>
   </p:cSld>
@@ -4565,10 +5282,10 @@
       </p:grpSpPr>
       <p:pic>
         <p:nvPicPr>
-          <p:cNvPr id="7" name="Picture 6">
+          <p:cNvPr id="3" name="Picture 2">
             <a:extLst>
               <a:ext uri="{FF2B5EF4-FFF2-40B4-BE49-F238E27FC236}">
-                <a16:creationId xmlns="" xmlns:a16="http://schemas.microsoft.com/office/drawing/2014/main" id="{6ED39B3F-93D3-4609-BF29-C37F986AB91E}"/>
+                <a16:creationId xmlns:a16="http://schemas.microsoft.com/office/drawing/2014/main" id="{CA3D680D-56E5-46E4-85FB-31FF516360EB}"/>
               </a:ext>
             </a:extLst>
           </p:cNvPr>
@@ -4577,28 +5294,32 @@
           </p:cNvPicPr>
           <p:nvPr/>
         </p:nvPicPr>
-        <p:blipFill>
+        <p:blipFill rotWithShape="1">
           <a:blip r:embed="rId2"/>
-          <a:stretch>
-            <a:fillRect/>
-          </a:stretch>
+          <a:srcRect l="1600" r="7315" b="1102"/>
+          <a:stretch/>
         </p:blipFill>
         <p:spPr>
           <a:xfrm>
-            <a:off x="229634" y="577709"/>
-            <a:ext cx="2145817" cy="3122485"/>
-          </a:xfrm>
-          <a:prstGeom prst="rect">
-            <a:avLst/>
-          </a:prstGeom>
+            <a:off x="298173" y="139148"/>
+            <a:ext cx="3422509" cy="5059018"/>
+          </a:xfrm>
+          <a:prstGeom prst="rect">
+            <a:avLst/>
+          </a:prstGeom>
+          <a:ln w="15875">
+            <a:solidFill>
+              <a:schemeClr val="tx1"/>
+            </a:solidFill>
+          </a:ln>
         </p:spPr>
       </p:pic>
       <p:pic>
         <p:nvPicPr>
-          <p:cNvPr id="9" name="Picture 8">
+          <p:cNvPr id="5" name="Picture 4">
             <a:extLst>
               <a:ext uri="{FF2B5EF4-FFF2-40B4-BE49-F238E27FC236}">
-                <a16:creationId xmlns="" xmlns:a16="http://schemas.microsoft.com/office/drawing/2014/main" id="{68BF1FFD-059D-4D8E-82F9-6FCF51096852}"/>
+                <a16:creationId xmlns:a16="http://schemas.microsoft.com/office/drawing/2014/main" id="{3AE8C498-83C2-4F6E-BAC2-45865D041512}"/>
               </a:ext>
             </a:extLst>
           </p:cNvPr>
@@ -4609,13 +5330,13 @@
         </p:nvPicPr>
         <p:blipFill rotWithShape="1">
           <a:blip r:embed="rId3"/>
-          <a:srcRect l="3403" t="2076" r="5576" b="2233"/>
+          <a:srcRect r="6094" b="861"/>
           <a:stretch/>
         </p:blipFill>
         <p:spPr>
           <a:xfrm>
-            <a:off x="2445024" y="587647"/>
-            <a:ext cx="3349488" cy="4267727"/>
+            <a:off x="3805314" y="139147"/>
+            <a:ext cx="3774277" cy="5059018"/>
           </a:xfrm>
           <a:prstGeom prst="rect">
             <a:avLst/>
@@ -4627,497 +5348,10 @@
           </a:ln>
         </p:spPr>
       </p:pic>
-      <p:pic>
-        <p:nvPicPr>
-          <p:cNvPr id="11" name="Picture 10">
-            <a:extLst>
-              <a:ext uri="{FF2B5EF4-FFF2-40B4-BE49-F238E27FC236}">
-                <a16:creationId xmlns="" xmlns:a16="http://schemas.microsoft.com/office/drawing/2014/main" id="{DB4CCB0A-15FF-4961-BE30-8FB3C8EB6CA6}"/>
-              </a:ext>
-            </a:extLst>
-          </p:cNvPr>
-          <p:cNvPicPr>
-            <a:picLocks noChangeAspect="1"/>
-          </p:cNvPicPr>
-          <p:nvPr/>
-        </p:nvPicPr>
-        <p:blipFill rotWithShape="1">
-          <a:blip r:embed="rId4"/>
-          <a:srcRect l="6161" t="4417" r="5125" b="4548"/>
-          <a:stretch/>
-        </p:blipFill>
-        <p:spPr>
-          <a:xfrm>
-            <a:off x="6725479" y="587647"/>
-            <a:ext cx="2799522" cy="2842591"/>
-          </a:xfrm>
-          <a:prstGeom prst="rect">
-            <a:avLst/>
-          </a:prstGeom>
-          <a:ln w="15875">
-            <a:solidFill>
-              <a:schemeClr val="tx1"/>
-            </a:solidFill>
-          </a:ln>
-        </p:spPr>
-      </p:pic>
-      <p:sp>
-        <p:nvSpPr>
-          <p:cNvPr id="2" name="TextBox 1">
-            <a:extLst>
-              <a:ext uri="{FF2B5EF4-FFF2-40B4-BE49-F238E27FC236}">
-                <a16:creationId xmlns="" xmlns:a16="http://schemas.microsoft.com/office/drawing/2014/main" id="{3993A444-90E3-4983-8771-AF286CC9B645}"/>
-              </a:ext>
-            </a:extLst>
-          </p:cNvPr>
-          <p:cNvSpPr txBox="1"/>
-          <p:nvPr/>
-        </p:nvSpPr>
-        <p:spPr>
-          <a:xfrm>
-            <a:off x="1749287" y="79513"/>
-            <a:ext cx="1766702" cy="307777"/>
-          </a:xfrm>
-          <a:prstGeom prst="rect">
-            <a:avLst/>
-          </a:prstGeom>
-          <a:solidFill>
-            <a:srgbClr val="FFFF00"/>
-          </a:solidFill>
-          <a:ln>
-            <a:solidFill>
-              <a:schemeClr val="tx1"/>
-            </a:solidFill>
-          </a:ln>
-        </p:spPr>
-        <p:txBody>
-          <a:bodyPr wrap="none" rtlCol="0">
-            <a:spAutoFit/>
-          </a:bodyPr>
-          <a:lstStyle/>
-          <a:p>
-            <a:r>
-              <a:rPr lang="en-IN" sz="1400" dirty="0"/>
-              <a:t>Partition By; Order By</a:t>
-            </a:r>
-            <a:endParaRPr lang="en-US" sz="1400" dirty="0"/>
-          </a:p>
-        </p:txBody>
-      </p:sp>
-      <p:sp>
-        <p:nvSpPr>
-          <p:cNvPr id="3" name="Rectangle 2">
-            <a:extLst>
-              <a:ext uri="{FF2B5EF4-FFF2-40B4-BE49-F238E27FC236}">
-                <a16:creationId xmlns="" xmlns:a16="http://schemas.microsoft.com/office/drawing/2014/main" id="{7A2DC380-7FE8-4A34-AB0E-50264B2D14AF}"/>
-              </a:ext>
-            </a:extLst>
-          </p:cNvPr>
-          <p:cNvSpPr/>
-          <p:nvPr/>
-        </p:nvSpPr>
-        <p:spPr>
-          <a:xfrm>
-            <a:off x="4273827" y="834887"/>
-            <a:ext cx="1192696" cy="705678"/>
-          </a:xfrm>
-          <a:prstGeom prst="rect">
-            <a:avLst/>
-          </a:prstGeom>
-          <a:noFill/>
-          <a:ln w="19050">
-            <a:solidFill>
-              <a:srgbClr val="FF0000"/>
-            </a:solidFill>
-          </a:ln>
-        </p:spPr>
-        <p:style>
-          <a:lnRef idx="2">
-            <a:schemeClr val="accent1">
-              <a:shade val="50000"/>
-            </a:schemeClr>
-          </a:lnRef>
-          <a:fillRef idx="1">
-            <a:schemeClr val="accent1"/>
-          </a:fillRef>
-          <a:effectRef idx="0">
-            <a:schemeClr val="accent1"/>
-          </a:effectRef>
-          <a:fontRef idx="minor">
-            <a:schemeClr val="lt1"/>
-          </a:fontRef>
-        </p:style>
-        <p:txBody>
-          <a:bodyPr rtlCol="0" anchor="ctr"/>
-          <a:lstStyle/>
-          <a:p>
-            <a:pPr algn="ctr"/>
-            <a:endParaRPr lang="en-US"/>
-          </a:p>
-        </p:txBody>
-      </p:sp>
-      <p:sp>
-        <p:nvSpPr>
-          <p:cNvPr id="8" name="Rectangle 7">
-            <a:extLst>
-              <a:ext uri="{FF2B5EF4-FFF2-40B4-BE49-F238E27FC236}">
-                <a16:creationId xmlns="" xmlns:a16="http://schemas.microsoft.com/office/drawing/2014/main" id="{696AEABC-33CF-4642-BF91-6216E8E1E4BE}"/>
-              </a:ext>
-            </a:extLst>
-          </p:cNvPr>
-          <p:cNvSpPr/>
-          <p:nvPr/>
-        </p:nvSpPr>
-        <p:spPr>
-          <a:xfrm>
-            <a:off x="4273829" y="1540564"/>
-            <a:ext cx="1192696" cy="1182757"/>
-          </a:xfrm>
-          <a:prstGeom prst="rect">
-            <a:avLst/>
-          </a:prstGeom>
-          <a:noFill/>
-          <a:ln w="19050">
-            <a:solidFill>
-              <a:srgbClr val="FF0000"/>
-            </a:solidFill>
-          </a:ln>
-        </p:spPr>
-        <p:style>
-          <a:lnRef idx="2">
-            <a:schemeClr val="accent1">
-              <a:shade val="50000"/>
-            </a:schemeClr>
-          </a:lnRef>
-          <a:fillRef idx="1">
-            <a:schemeClr val="accent1"/>
-          </a:fillRef>
-          <a:effectRef idx="0">
-            <a:schemeClr val="accent1"/>
-          </a:effectRef>
-          <a:fontRef idx="minor">
-            <a:schemeClr val="lt1"/>
-          </a:fontRef>
-        </p:style>
-        <p:txBody>
-          <a:bodyPr rtlCol="0" anchor="ctr"/>
-          <a:lstStyle/>
-          <a:p>
-            <a:pPr algn="ctr"/>
-            <a:endParaRPr lang="en-US"/>
-          </a:p>
-        </p:txBody>
-      </p:sp>
-      <p:sp>
-        <p:nvSpPr>
-          <p:cNvPr id="10" name="Rectangle 9">
-            <a:extLst>
-              <a:ext uri="{FF2B5EF4-FFF2-40B4-BE49-F238E27FC236}">
-                <a16:creationId xmlns="" xmlns:a16="http://schemas.microsoft.com/office/drawing/2014/main" id="{E760F635-470C-4372-88C0-657334584AF7}"/>
-              </a:ext>
-            </a:extLst>
-          </p:cNvPr>
-          <p:cNvSpPr/>
-          <p:nvPr/>
-        </p:nvSpPr>
-        <p:spPr>
-          <a:xfrm>
-            <a:off x="4273827" y="2721510"/>
-            <a:ext cx="1192696" cy="2133864"/>
-          </a:xfrm>
-          <a:prstGeom prst="rect">
-            <a:avLst/>
-          </a:prstGeom>
-          <a:noFill/>
-          <a:ln w="19050">
-            <a:solidFill>
-              <a:srgbClr val="FF0000"/>
-            </a:solidFill>
-          </a:ln>
-        </p:spPr>
-        <p:style>
-          <a:lnRef idx="2">
-            <a:schemeClr val="accent1">
-              <a:shade val="50000"/>
-            </a:schemeClr>
-          </a:lnRef>
-          <a:fillRef idx="1">
-            <a:schemeClr val="accent1"/>
-          </a:fillRef>
-          <a:effectRef idx="0">
-            <a:schemeClr val="accent1"/>
-          </a:effectRef>
-          <a:fontRef idx="minor">
-            <a:schemeClr val="lt1"/>
-          </a:fontRef>
-        </p:style>
-        <p:txBody>
-          <a:bodyPr rtlCol="0" anchor="ctr"/>
-          <a:lstStyle/>
-          <a:p>
-            <a:pPr algn="ctr"/>
-            <a:endParaRPr lang="en-US"/>
-          </a:p>
-        </p:txBody>
-      </p:sp>
-      <p:sp>
-        <p:nvSpPr>
-          <p:cNvPr id="4" name="Rectangle 3">
-            <a:extLst>
-              <a:ext uri="{FF2B5EF4-FFF2-40B4-BE49-F238E27FC236}">
-                <a16:creationId xmlns="" xmlns:a16="http://schemas.microsoft.com/office/drawing/2014/main" id="{8405E2C8-91AB-446E-BED4-CA5ADB9B8BF3}"/>
-              </a:ext>
-            </a:extLst>
-          </p:cNvPr>
-          <p:cNvSpPr/>
-          <p:nvPr/>
-        </p:nvSpPr>
-        <p:spPr>
-          <a:xfrm>
-            <a:off x="229634" y="577708"/>
-            <a:ext cx="5574817" cy="4277666"/>
-          </a:xfrm>
-          <a:prstGeom prst="rect">
-            <a:avLst/>
-          </a:prstGeom>
-          <a:noFill/>
-          <a:ln w="19050">
-            <a:solidFill>
-              <a:schemeClr val="tx1"/>
-            </a:solidFill>
-          </a:ln>
-        </p:spPr>
-        <p:style>
-          <a:lnRef idx="2">
-            <a:schemeClr val="accent1">
-              <a:shade val="50000"/>
-            </a:schemeClr>
-          </a:lnRef>
-          <a:fillRef idx="1">
-            <a:schemeClr val="accent1"/>
-          </a:fillRef>
-          <a:effectRef idx="0">
-            <a:schemeClr val="accent1"/>
-          </a:effectRef>
-          <a:fontRef idx="minor">
-            <a:schemeClr val="lt1"/>
-          </a:fontRef>
-        </p:style>
-        <p:txBody>
-          <a:bodyPr rtlCol="0" anchor="ctr"/>
-          <a:lstStyle/>
-          <a:p>
-            <a:pPr algn="ctr"/>
-            <a:endParaRPr lang="en-US"/>
-          </a:p>
-        </p:txBody>
-      </p:sp>
-      <p:sp>
-        <p:nvSpPr>
-          <p:cNvPr id="12" name="TextBox 11">
-            <a:extLst>
-              <a:ext uri="{FF2B5EF4-FFF2-40B4-BE49-F238E27FC236}">
-                <a16:creationId xmlns="" xmlns:a16="http://schemas.microsoft.com/office/drawing/2014/main" id="{19AC1F89-B663-4659-8AEA-2C7FBCF714A0}"/>
-              </a:ext>
-            </a:extLst>
-          </p:cNvPr>
-          <p:cNvSpPr txBox="1"/>
-          <p:nvPr/>
-        </p:nvSpPr>
-        <p:spPr>
-          <a:xfrm>
-            <a:off x="7368209" y="89452"/>
-            <a:ext cx="1380699" cy="307777"/>
-          </a:xfrm>
-          <a:prstGeom prst="rect">
-            <a:avLst/>
-          </a:prstGeom>
-          <a:solidFill>
-            <a:srgbClr val="FFFF00"/>
-          </a:solidFill>
-          <a:ln>
-            <a:solidFill>
-              <a:schemeClr val="tx1"/>
-            </a:solidFill>
-          </a:ln>
-        </p:spPr>
-        <p:txBody>
-          <a:bodyPr wrap="none" rtlCol="0">
-            <a:spAutoFit/>
-          </a:bodyPr>
-          <a:lstStyle/>
-          <a:p>
-            <a:r>
-              <a:rPr lang="en-IN" sz="1400" dirty="0"/>
-              <a:t>Pagination (CTE)</a:t>
-            </a:r>
-            <a:endParaRPr lang="en-US" sz="1400" dirty="0"/>
-          </a:p>
-        </p:txBody>
-      </p:sp>
-      <p:pic>
-        <p:nvPicPr>
-          <p:cNvPr id="13" name="Picture 12">
-            <a:extLst>
-              <a:ext uri="{FF2B5EF4-FFF2-40B4-BE49-F238E27FC236}">
-                <a16:creationId xmlns="" xmlns:a16="http://schemas.microsoft.com/office/drawing/2014/main" id="{7AC5BCF3-8177-44CC-B8F4-81E3D7CFC930}"/>
-              </a:ext>
-            </a:extLst>
-          </p:cNvPr>
-          <p:cNvPicPr>
-            <a:picLocks noChangeAspect="1"/>
-          </p:cNvPicPr>
-          <p:nvPr/>
-        </p:nvPicPr>
-        <p:blipFill rotWithShape="1">
-          <a:blip r:embed="rId5"/>
-          <a:srcRect l="23071" t="61304" r="45625" b="9421"/>
-          <a:stretch/>
-        </p:blipFill>
-        <p:spPr>
-          <a:xfrm>
-            <a:off x="6725479" y="4263886"/>
-            <a:ext cx="4542183" cy="2389378"/>
-          </a:xfrm>
-          <a:prstGeom prst="rect">
-            <a:avLst/>
-          </a:prstGeom>
-          <a:ln w="15875">
-            <a:solidFill>
-              <a:schemeClr val="tx1"/>
-            </a:solidFill>
-          </a:ln>
-        </p:spPr>
-      </p:pic>
-      <p:sp>
-        <p:nvSpPr>
-          <p:cNvPr id="14" name="Rectangle 13">
-            <a:extLst>
-              <a:ext uri="{FF2B5EF4-FFF2-40B4-BE49-F238E27FC236}">
-                <a16:creationId xmlns="" xmlns:a16="http://schemas.microsoft.com/office/drawing/2014/main" id="{80F57147-DAE8-4E6A-ACE9-F27C2B7F563C}"/>
-              </a:ext>
-            </a:extLst>
-          </p:cNvPr>
-          <p:cNvSpPr/>
-          <p:nvPr/>
-        </p:nvSpPr>
-        <p:spPr>
-          <a:xfrm>
-            <a:off x="10611680" y="4263886"/>
-            <a:ext cx="655982" cy="2389378"/>
-          </a:xfrm>
-          <a:prstGeom prst="rect">
-            <a:avLst/>
-          </a:prstGeom>
-          <a:noFill/>
-          <a:ln w="19050">
-            <a:solidFill>
-              <a:srgbClr val="FF0000"/>
-            </a:solidFill>
-          </a:ln>
-        </p:spPr>
-        <p:style>
-          <a:lnRef idx="2">
-            <a:schemeClr val="accent1">
-              <a:shade val="50000"/>
-            </a:schemeClr>
-          </a:lnRef>
-          <a:fillRef idx="1">
-            <a:schemeClr val="accent1"/>
-          </a:fillRef>
-          <a:effectRef idx="0">
-            <a:schemeClr val="accent1"/>
-          </a:effectRef>
-          <a:fontRef idx="minor">
-            <a:schemeClr val="lt1"/>
-          </a:fontRef>
-        </p:style>
-        <p:txBody>
-          <a:bodyPr rtlCol="0" anchor="ctr"/>
-          <a:lstStyle/>
-          <a:p>
-            <a:pPr algn="ctr"/>
-            <a:endParaRPr lang="en-US"/>
-          </a:p>
-        </p:txBody>
-      </p:sp>
-      <p:sp>
-        <p:nvSpPr>
-          <p:cNvPr id="15" name="TextBox 14">
-            <a:extLst>
-              <a:ext uri="{FF2B5EF4-FFF2-40B4-BE49-F238E27FC236}">
-                <a16:creationId xmlns="" xmlns:a16="http://schemas.microsoft.com/office/drawing/2014/main" id="{2E939559-52CD-4CB3-945E-1BD1E19B0D3A}"/>
-              </a:ext>
-            </a:extLst>
-          </p:cNvPr>
-          <p:cNvSpPr txBox="1"/>
-          <p:nvPr/>
-        </p:nvSpPr>
-        <p:spPr>
-          <a:xfrm>
-            <a:off x="6452477" y="3817289"/>
-            <a:ext cx="5093061" cy="276999"/>
-          </a:xfrm>
-          <a:prstGeom prst="rect">
-            <a:avLst/>
-          </a:prstGeom>
-          <a:solidFill>
-            <a:srgbClr val="FFFF00"/>
-          </a:solidFill>
-          <a:ln>
-            <a:solidFill>
-              <a:schemeClr val="tx1"/>
-            </a:solidFill>
-          </a:ln>
-        </p:spPr>
-        <p:txBody>
-          <a:bodyPr wrap="none" rtlCol="0">
-            <a:spAutoFit/>
-          </a:bodyPr>
-          <a:lstStyle/>
-          <a:p>
-            <a:r>
-              <a:rPr kumimoji="0" lang="en-US" altLang="en-US" sz="1200" b="0" i="0" u="none" strike="noStrike" cap="none" normalizeH="0" baseline="0" dirty="0">
-                <a:ln>
-                  <a:noFill/>
-                </a:ln>
-                <a:solidFill>
-                  <a:srgbClr val="000000"/>
-                </a:solidFill>
-                <a:effectLst/>
-                <a:latin typeface="Arial Unicode MS"/>
-              </a:rPr>
-              <a:t>ROW_NUMBER() OVER(ORDER BY EMPNAME) + 100 AS ROWNUM</a:t>
-            </a:r>
-            <a:r>
-              <a:rPr kumimoji="0" lang="en-US" altLang="en-US" sz="1200" b="0" i="0" u="none" strike="noStrike" cap="none" normalizeH="0" baseline="0" dirty="0">
-                <a:ln>
-                  <a:noFill/>
-                </a:ln>
-                <a:solidFill>
-                  <a:schemeClr val="tx1"/>
-                </a:solidFill>
-                <a:effectLst/>
-              </a:rPr>
-              <a:t> </a:t>
-            </a:r>
-            <a:endParaRPr kumimoji="0" lang="en-US" altLang="en-US" sz="1200" b="0" i="0" u="none" strike="noStrike" cap="none" normalizeH="0" baseline="0" dirty="0">
-              <a:ln>
-                <a:noFill/>
-              </a:ln>
-              <a:solidFill>
-                <a:schemeClr val="tx1"/>
-              </a:solidFill>
-              <a:effectLst/>
-              <a:latin typeface="Arial" panose="020B0604020202020204" pitchFamily="34" charset="0"/>
-            </a:endParaRPr>
-          </a:p>
-        </p:txBody>
-      </p:sp>
     </p:spTree>
     <p:extLst>
       <p:ext uri="{BB962C8B-B14F-4D97-AF65-F5344CB8AC3E}">
-        <p14:creationId xmlns:p14="http://schemas.microsoft.com/office/powerpoint/2010/main" val="1133151342"/>
+        <p14:creationId xmlns:p14="http://schemas.microsoft.com/office/powerpoint/2010/main" val="3920182343"/>
       </p:ext>
     </p:extLst>
   </p:cSld>
@@ -5144,12 +5378,110 @@
           <a:chExt cx="0" cy="0"/>
         </a:xfrm>
       </p:grpSpPr>
-      <p:sp>
-        <p:nvSpPr>
-          <p:cNvPr id="4" name="TextBox 3">
+      <p:pic>
+        <p:nvPicPr>
+          <p:cNvPr id="7" name="Picture 6">
             <a:extLst>
               <a:ext uri="{FF2B5EF4-FFF2-40B4-BE49-F238E27FC236}">
-                <a16:creationId xmlns="" xmlns:a16="http://schemas.microsoft.com/office/drawing/2014/main" id="{083FBBF3-4E40-46C5-B858-3759171FF255}"/>
+                <a16:creationId xmlns:a16="http://schemas.microsoft.com/office/drawing/2014/main" id="{6ED39B3F-93D3-4609-BF29-C37F986AB91E}"/>
+              </a:ext>
+            </a:extLst>
+          </p:cNvPr>
+          <p:cNvPicPr>
+            <a:picLocks noChangeAspect="1"/>
+          </p:cNvPicPr>
+          <p:nvPr/>
+        </p:nvPicPr>
+        <p:blipFill>
+          <a:blip r:embed="rId2"/>
+          <a:stretch>
+            <a:fillRect/>
+          </a:stretch>
+        </p:blipFill>
+        <p:spPr>
+          <a:xfrm>
+            <a:off x="229634" y="577709"/>
+            <a:ext cx="2145817" cy="3122485"/>
+          </a:xfrm>
+          <a:prstGeom prst="rect">
+            <a:avLst/>
+          </a:prstGeom>
+        </p:spPr>
+      </p:pic>
+      <p:pic>
+        <p:nvPicPr>
+          <p:cNvPr id="9" name="Picture 8">
+            <a:extLst>
+              <a:ext uri="{FF2B5EF4-FFF2-40B4-BE49-F238E27FC236}">
+                <a16:creationId xmlns:a16="http://schemas.microsoft.com/office/drawing/2014/main" id="{68BF1FFD-059D-4D8E-82F9-6FCF51096852}"/>
+              </a:ext>
+            </a:extLst>
+          </p:cNvPr>
+          <p:cNvPicPr>
+            <a:picLocks noChangeAspect="1"/>
+          </p:cNvPicPr>
+          <p:nvPr/>
+        </p:nvPicPr>
+        <p:blipFill rotWithShape="1">
+          <a:blip r:embed="rId3"/>
+          <a:srcRect l="3403" t="2076" r="5576" b="2233"/>
+          <a:stretch/>
+        </p:blipFill>
+        <p:spPr>
+          <a:xfrm>
+            <a:off x="2445024" y="587647"/>
+            <a:ext cx="3349488" cy="4267727"/>
+          </a:xfrm>
+          <a:prstGeom prst="rect">
+            <a:avLst/>
+          </a:prstGeom>
+          <a:ln w="15875">
+            <a:solidFill>
+              <a:schemeClr val="tx1"/>
+            </a:solidFill>
+          </a:ln>
+        </p:spPr>
+      </p:pic>
+      <p:pic>
+        <p:nvPicPr>
+          <p:cNvPr id="11" name="Picture 10">
+            <a:extLst>
+              <a:ext uri="{FF2B5EF4-FFF2-40B4-BE49-F238E27FC236}">
+                <a16:creationId xmlns:a16="http://schemas.microsoft.com/office/drawing/2014/main" id="{DB4CCB0A-15FF-4961-BE30-8FB3C8EB6CA6}"/>
+              </a:ext>
+            </a:extLst>
+          </p:cNvPr>
+          <p:cNvPicPr>
+            <a:picLocks noChangeAspect="1"/>
+          </p:cNvPicPr>
+          <p:nvPr/>
+        </p:nvPicPr>
+        <p:blipFill rotWithShape="1">
+          <a:blip r:embed="rId4"/>
+          <a:srcRect l="6161" t="4417" r="5125" b="4548"/>
+          <a:stretch/>
+        </p:blipFill>
+        <p:spPr>
+          <a:xfrm>
+            <a:off x="6725479" y="587647"/>
+            <a:ext cx="2799522" cy="2842591"/>
+          </a:xfrm>
+          <a:prstGeom prst="rect">
+            <a:avLst/>
+          </a:prstGeom>
+          <a:ln w="15875">
+            <a:solidFill>
+              <a:schemeClr val="tx1"/>
+            </a:solidFill>
+          </a:ln>
+        </p:spPr>
+      </p:pic>
+      <p:sp>
+        <p:nvSpPr>
+          <p:cNvPr id="2" name="TextBox 1">
+            <a:extLst>
+              <a:ext uri="{FF2B5EF4-FFF2-40B4-BE49-F238E27FC236}">
+                <a16:creationId xmlns:a16="http://schemas.microsoft.com/office/drawing/2014/main" id="{3993A444-90E3-4983-8771-AF286CC9B645}"/>
               </a:ext>
             </a:extLst>
           </p:cNvPr>
@@ -5158,13 +5490,20 @@
         </p:nvSpPr>
         <p:spPr>
           <a:xfrm>
-            <a:off x="5493912" y="2693505"/>
-            <a:ext cx="1204176" cy="523220"/>
-          </a:xfrm>
-          <a:prstGeom prst="rect">
-            <a:avLst/>
-          </a:prstGeom>
-          <a:noFill/>
+            <a:off x="1749287" y="79513"/>
+            <a:ext cx="1766702" cy="307777"/>
+          </a:xfrm>
+          <a:prstGeom prst="rect">
+            <a:avLst/>
+          </a:prstGeom>
+          <a:solidFill>
+            <a:srgbClr val="FFFF00"/>
+          </a:solidFill>
+          <a:ln>
+            <a:solidFill>
+              <a:schemeClr val="tx1"/>
+            </a:solidFill>
+          </a:ln>
         </p:spPr>
         <p:txBody>
           <a:bodyPr wrap="none" rtlCol="0">
@@ -5172,53 +5511,420 @@
           </a:bodyPr>
           <a:lstStyle/>
           <a:p>
-            <a:pPr marL="0" marR="0" lvl="0" indent="0" algn="l" defTabSz="914400" rtl="0" eaLnBrk="1" fontAlgn="auto" latinLnBrk="0" hangingPunct="1">
-              <a:lnSpc>
-                <a:spcPct val="100000"/>
-              </a:lnSpc>
-              <a:spcBef>
-                <a:spcPts val="0"/>
-              </a:spcBef>
-              <a:spcAft>
-                <a:spcPts val="0"/>
-              </a:spcAft>
-              <a:buClrTx/>
-              <a:buSzTx/>
-              <a:buFontTx/>
-              <a:buNone/>
-              <a:tabLst/>
-              <a:defRPr/>
-            </a:pPr>
-            <a:r>
-              <a:rPr kumimoji="0" lang="en-IN" sz="2800" b="0" i="0" u="none" strike="noStrike" kern="1200" cap="none" spc="0" normalizeH="0" baseline="0" noProof="0" dirty="0">
+            <a:r>
+              <a:rPr lang="en-IN" sz="1400" dirty="0"/>
+              <a:t>Partition By; Order By</a:t>
+            </a:r>
+            <a:endParaRPr lang="en-US" sz="1400" dirty="0"/>
+          </a:p>
+        </p:txBody>
+      </p:sp>
+      <p:sp>
+        <p:nvSpPr>
+          <p:cNvPr id="3" name="Rectangle 2">
+            <a:extLst>
+              <a:ext uri="{FF2B5EF4-FFF2-40B4-BE49-F238E27FC236}">
+                <a16:creationId xmlns:a16="http://schemas.microsoft.com/office/drawing/2014/main" id="{7A2DC380-7FE8-4A34-AB0E-50264B2D14AF}"/>
+              </a:ext>
+            </a:extLst>
+          </p:cNvPr>
+          <p:cNvSpPr/>
+          <p:nvPr/>
+        </p:nvSpPr>
+        <p:spPr>
+          <a:xfrm>
+            <a:off x="4273827" y="834887"/>
+            <a:ext cx="1192696" cy="705678"/>
+          </a:xfrm>
+          <a:prstGeom prst="rect">
+            <a:avLst/>
+          </a:prstGeom>
+          <a:noFill/>
+          <a:ln w="19050">
+            <a:solidFill>
+              <a:srgbClr val="FF0000"/>
+            </a:solidFill>
+          </a:ln>
+        </p:spPr>
+        <p:style>
+          <a:lnRef idx="2">
+            <a:schemeClr val="accent1">
+              <a:shade val="50000"/>
+            </a:schemeClr>
+          </a:lnRef>
+          <a:fillRef idx="1">
+            <a:schemeClr val="accent1"/>
+          </a:fillRef>
+          <a:effectRef idx="0">
+            <a:schemeClr val="accent1"/>
+          </a:effectRef>
+          <a:fontRef idx="minor">
+            <a:schemeClr val="lt1"/>
+          </a:fontRef>
+        </p:style>
+        <p:txBody>
+          <a:bodyPr rtlCol="0" anchor="ctr"/>
+          <a:lstStyle/>
+          <a:p>
+            <a:pPr algn="ctr"/>
+            <a:endParaRPr lang="en-US"/>
+          </a:p>
+        </p:txBody>
+      </p:sp>
+      <p:sp>
+        <p:nvSpPr>
+          <p:cNvPr id="8" name="Rectangle 7">
+            <a:extLst>
+              <a:ext uri="{FF2B5EF4-FFF2-40B4-BE49-F238E27FC236}">
+                <a16:creationId xmlns:a16="http://schemas.microsoft.com/office/drawing/2014/main" id="{696AEABC-33CF-4642-BF91-6216E8E1E4BE}"/>
+              </a:ext>
+            </a:extLst>
+          </p:cNvPr>
+          <p:cNvSpPr/>
+          <p:nvPr/>
+        </p:nvSpPr>
+        <p:spPr>
+          <a:xfrm>
+            <a:off x="4273829" y="1540564"/>
+            <a:ext cx="1192696" cy="1182757"/>
+          </a:xfrm>
+          <a:prstGeom prst="rect">
+            <a:avLst/>
+          </a:prstGeom>
+          <a:noFill/>
+          <a:ln w="19050">
+            <a:solidFill>
+              <a:srgbClr val="FF0000"/>
+            </a:solidFill>
+          </a:ln>
+        </p:spPr>
+        <p:style>
+          <a:lnRef idx="2">
+            <a:schemeClr val="accent1">
+              <a:shade val="50000"/>
+            </a:schemeClr>
+          </a:lnRef>
+          <a:fillRef idx="1">
+            <a:schemeClr val="accent1"/>
+          </a:fillRef>
+          <a:effectRef idx="0">
+            <a:schemeClr val="accent1"/>
+          </a:effectRef>
+          <a:fontRef idx="minor">
+            <a:schemeClr val="lt1"/>
+          </a:fontRef>
+        </p:style>
+        <p:txBody>
+          <a:bodyPr rtlCol="0" anchor="ctr"/>
+          <a:lstStyle/>
+          <a:p>
+            <a:pPr algn="ctr"/>
+            <a:endParaRPr lang="en-US"/>
+          </a:p>
+        </p:txBody>
+      </p:sp>
+      <p:sp>
+        <p:nvSpPr>
+          <p:cNvPr id="10" name="Rectangle 9">
+            <a:extLst>
+              <a:ext uri="{FF2B5EF4-FFF2-40B4-BE49-F238E27FC236}">
+                <a16:creationId xmlns:a16="http://schemas.microsoft.com/office/drawing/2014/main" id="{E760F635-470C-4372-88C0-657334584AF7}"/>
+              </a:ext>
+            </a:extLst>
+          </p:cNvPr>
+          <p:cNvSpPr/>
+          <p:nvPr/>
+        </p:nvSpPr>
+        <p:spPr>
+          <a:xfrm>
+            <a:off x="4273827" y="2721510"/>
+            <a:ext cx="1192696" cy="2133864"/>
+          </a:xfrm>
+          <a:prstGeom prst="rect">
+            <a:avLst/>
+          </a:prstGeom>
+          <a:noFill/>
+          <a:ln w="19050">
+            <a:solidFill>
+              <a:srgbClr val="FF0000"/>
+            </a:solidFill>
+          </a:ln>
+        </p:spPr>
+        <p:style>
+          <a:lnRef idx="2">
+            <a:schemeClr val="accent1">
+              <a:shade val="50000"/>
+            </a:schemeClr>
+          </a:lnRef>
+          <a:fillRef idx="1">
+            <a:schemeClr val="accent1"/>
+          </a:fillRef>
+          <a:effectRef idx="0">
+            <a:schemeClr val="accent1"/>
+          </a:effectRef>
+          <a:fontRef idx="minor">
+            <a:schemeClr val="lt1"/>
+          </a:fontRef>
+        </p:style>
+        <p:txBody>
+          <a:bodyPr rtlCol="0" anchor="ctr"/>
+          <a:lstStyle/>
+          <a:p>
+            <a:pPr algn="ctr"/>
+            <a:endParaRPr lang="en-US"/>
+          </a:p>
+        </p:txBody>
+      </p:sp>
+      <p:sp>
+        <p:nvSpPr>
+          <p:cNvPr id="4" name="Rectangle 3">
+            <a:extLst>
+              <a:ext uri="{FF2B5EF4-FFF2-40B4-BE49-F238E27FC236}">
+                <a16:creationId xmlns:a16="http://schemas.microsoft.com/office/drawing/2014/main" id="{8405E2C8-91AB-446E-BED4-CA5ADB9B8BF3}"/>
+              </a:ext>
+            </a:extLst>
+          </p:cNvPr>
+          <p:cNvSpPr/>
+          <p:nvPr/>
+        </p:nvSpPr>
+        <p:spPr>
+          <a:xfrm>
+            <a:off x="229634" y="577708"/>
+            <a:ext cx="5574817" cy="4277666"/>
+          </a:xfrm>
+          <a:prstGeom prst="rect">
+            <a:avLst/>
+          </a:prstGeom>
+          <a:noFill/>
+          <a:ln w="19050">
+            <a:solidFill>
+              <a:schemeClr val="tx1"/>
+            </a:solidFill>
+          </a:ln>
+        </p:spPr>
+        <p:style>
+          <a:lnRef idx="2">
+            <a:schemeClr val="accent1">
+              <a:shade val="50000"/>
+            </a:schemeClr>
+          </a:lnRef>
+          <a:fillRef idx="1">
+            <a:schemeClr val="accent1"/>
+          </a:fillRef>
+          <a:effectRef idx="0">
+            <a:schemeClr val="accent1"/>
+          </a:effectRef>
+          <a:fontRef idx="minor">
+            <a:schemeClr val="lt1"/>
+          </a:fontRef>
+        </p:style>
+        <p:txBody>
+          <a:bodyPr rtlCol="0" anchor="ctr"/>
+          <a:lstStyle/>
+          <a:p>
+            <a:pPr algn="ctr"/>
+            <a:endParaRPr lang="en-US"/>
+          </a:p>
+        </p:txBody>
+      </p:sp>
+      <p:sp>
+        <p:nvSpPr>
+          <p:cNvPr id="12" name="TextBox 11">
+            <a:extLst>
+              <a:ext uri="{FF2B5EF4-FFF2-40B4-BE49-F238E27FC236}">
+                <a16:creationId xmlns:a16="http://schemas.microsoft.com/office/drawing/2014/main" id="{19AC1F89-B663-4659-8AEA-2C7FBCF714A0}"/>
+              </a:ext>
+            </a:extLst>
+          </p:cNvPr>
+          <p:cNvSpPr txBox="1"/>
+          <p:nvPr/>
+        </p:nvSpPr>
+        <p:spPr>
+          <a:xfrm>
+            <a:off x="7368209" y="89452"/>
+            <a:ext cx="1380699" cy="307777"/>
+          </a:xfrm>
+          <a:prstGeom prst="rect">
+            <a:avLst/>
+          </a:prstGeom>
+          <a:solidFill>
+            <a:srgbClr val="FFFF00"/>
+          </a:solidFill>
+          <a:ln>
+            <a:solidFill>
+              <a:schemeClr val="tx1"/>
+            </a:solidFill>
+          </a:ln>
+        </p:spPr>
+        <p:txBody>
+          <a:bodyPr wrap="none" rtlCol="0">
+            <a:spAutoFit/>
+          </a:bodyPr>
+          <a:lstStyle/>
+          <a:p>
+            <a:r>
+              <a:rPr lang="en-IN" sz="1400" dirty="0"/>
+              <a:t>Pagination (CTE)</a:t>
+            </a:r>
+            <a:endParaRPr lang="en-US" sz="1400" dirty="0"/>
+          </a:p>
+        </p:txBody>
+      </p:sp>
+      <p:pic>
+        <p:nvPicPr>
+          <p:cNvPr id="13" name="Picture 12">
+            <a:extLst>
+              <a:ext uri="{FF2B5EF4-FFF2-40B4-BE49-F238E27FC236}">
+                <a16:creationId xmlns:a16="http://schemas.microsoft.com/office/drawing/2014/main" id="{7AC5BCF3-8177-44CC-B8F4-81E3D7CFC930}"/>
+              </a:ext>
+            </a:extLst>
+          </p:cNvPr>
+          <p:cNvPicPr>
+            <a:picLocks noChangeAspect="1"/>
+          </p:cNvPicPr>
+          <p:nvPr/>
+        </p:nvPicPr>
+        <p:blipFill rotWithShape="1">
+          <a:blip r:embed="rId5"/>
+          <a:srcRect l="23071" t="61304" r="45625" b="9421"/>
+          <a:stretch/>
+        </p:blipFill>
+        <p:spPr>
+          <a:xfrm>
+            <a:off x="6725479" y="4263886"/>
+            <a:ext cx="4542183" cy="2389378"/>
+          </a:xfrm>
+          <a:prstGeom prst="rect">
+            <a:avLst/>
+          </a:prstGeom>
+          <a:ln w="15875">
+            <a:solidFill>
+              <a:schemeClr val="tx1"/>
+            </a:solidFill>
+          </a:ln>
+        </p:spPr>
+      </p:pic>
+      <p:sp>
+        <p:nvSpPr>
+          <p:cNvPr id="14" name="Rectangle 13">
+            <a:extLst>
+              <a:ext uri="{FF2B5EF4-FFF2-40B4-BE49-F238E27FC236}">
+                <a16:creationId xmlns:a16="http://schemas.microsoft.com/office/drawing/2014/main" id="{80F57147-DAE8-4E6A-ACE9-F27C2B7F563C}"/>
+              </a:ext>
+            </a:extLst>
+          </p:cNvPr>
+          <p:cNvSpPr/>
+          <p:nvPr/>
+        </p:nvSpPr>
+        <p:spPr>
+          <a:xfrm>
+            <a:off x="10611680" y="4263886"/>
+            <a:ext cx="655982" cy="2389378"/>
+          </a:xfrm>
+          <a:prstGeom prst="rect">
+            <a:avLst/>
+          </a:prstGeom>
+          <a:noFill/>
+          <a:ln w="19050">
+            <a:solidFill>
+              <a:srgbClr val="FF0000"/>
+            </a:solidFill>
+          </a:ln>
+        </p:spPr>
+        <p:style>
+          <a:lnRef idx="2">
+            <a:schemeClr val="accent1">
+              <a:shade val="50000"/>
+            </a:schemeClr>
+          </a:lnRef>
+          <a:fillRef idx="1">
+            <a:schemeClr val="accent1"/>
+          </a:fillRef>
+          <a:effectRef idx="0">
+            <a:schemeClr val="accent1"/>
+          </a:effectRef>
+          <a:fontRef idx="minor">
+            <a:schemeClr val="lt1"/>
+          </a:fontRef>
+        </p:style>
+        <p:txBody>
+          <a:bodyPr rtlCol="0" anchor="ctr"/>
+          <a:lstStyle/>
+          <a:p>
+            <a:pPr algn="ctr"/>
+            <a:endParaRPr lang="en-US"/>
+          </a:p>
+        </p:txBody>
+      </p:sp>
+      <p:sp>
+        <p:nvSpPr>
+          <p:cNvPr id="15" name="TextBox 14">
+            <a:extLst>
+              <a:ext uri="{FF2B5EF4-FFF2-40B4-BE49-F238E27FC236}">
+                <a16:creationId xmlns:a16="http://schemas.microsoft.com/office/drawing/2014/main" id="{2E939559-52CD-4CB3-945E-1BD1E19B0D3A}"/>
+              </a:ext>
+            </a:extLst>
+          </p:cNvPr>
+          <p:cNvSpPr txBox="1"/>
+          <p:nvPr/>
+        </p:nvSpPr>
+        <p:spPr>
+          <a:xfrm>
+            <a:off x="6452477" y="3817289"/>
+            <a:ext cx="5093061" cy="276999"/>
+          </a:xfrm>
+          <a:prstGeom prst="rect">
+            <a:avLst/>
+          </a:prstGeom>
+          <a:solidFill>
+            <a:srgbClr val="FFFF00"/>
+          </a:solidFill>
+          <a:ln>
+            <a:solidFill>
+              <a:schemeClr val="tx1"/>
+            </a:solidFill>
+          </a:ln>
+        </p:spPr>
+        <p:txBody>
+          <a:bodyPr wrap="none" rtlCol="0">
+            <a:spAutoFit/>
+          </a:bodyPr>
+          <a:lstStyle/>
+          <a:p>
+            <a:r>
+              <a:rPr kumimoji="0" lang="en-US" altLang="en-US" sz="1200" b="0" i="0" u="none" strike="noStrike" cap="none" normalizeH="0" baseline="0" dirty="0">
                 <a:ln>
                   <a:noFill/>
                 </a:ln>
                 <a:solidFill>
-                  <a:prstClr val="black"/>
+                  <a:srgbClr val="000000"/>
                 </a:solidFill>
                 <a:effectLst/>
-                <a:uLnTx/>
-                <a:uFillTx/>
-                <a:latin typeface="Calibri" panose="020F0502020204030204"/>
-                <a:ea typeface="+mn-ea"/>
-                <a:cs typeface="+mn-cs"/>
+                <a:latin typeface="Arial Unicode MS"/>
               </a:rPr>
-              <a:t>Rank( )</a:t>
-            </a:r>
-            <a:endParaRPr kumimoji="0" lang="en-US" sz="2800" b="0" i="0" u="none" strike="noStrike" kern="1200" cap="none" spc="0" normalizeH="0" baseline="0" noProof="0" dirty="0">
+              <a:t>ROW_NUMBER() OVER(ORDER BY EMPNAME) + 100 AS ROWNUM</a:t>
+            </a:r>
+            <a:r>
+              <a:rPr kumimoji="0" lang="en-US" altLang="en-US" sz="1200" b="0" i="0" u="none" strike="noStrike" cap="none" normalizeH="0" baseline="0" dirty="0">
+                <a:ln>
+                  <a:noFill/>
+                </a:ln>
+                <a:solidFill>
+                  <a:schemeClr val="tx1"/>
+                </a:solidFill>
+                <a:effectLst/>
+              </a:rPr>
+              <a:t> </a:t>
+            </a:r>
+            <a:endParaRPr kumimoji="0" lang="en-US" altLang="en-US" sz="1200" b="0" i="0" u="none" strike="noStrike" cap="none" normalizeH="0" baseline="0" dirty="0">
               <a:ln>
                 <a:noFill/>
               </a:ln>
               <a:solidFill>
-                <a:prstClr val="black"/>
+                <a:schemeClr val="tx1"/>
               </a:solidFill>
               <a:effectLst/>
-              <a:uLnTx/>
-              <a:uFillTx/>
-              <a:latin typeface="Calibri" panose="020F0502020204030204"/>
-              <a:ea typeface="+mn-ea"/>
-              <a:cs typeface="+mn-cs"/>
+              <a:latin typeface="Arial" panose="020B0604020202020204" pitchFamily="34" charset="0"/>
             </a:endParaRPr>
           </a:p>
         </p:txBody>
@@ -5226,7 +5932,7 @@
     </p:spTree>
     <p:extLst>
       <p:ext uri="{BB962C8B-B14F-4D97-AF65-F5344CB8AC3E}">
-        <p14:creationId xmlns:p14="http://schemas.microsoft.com/office/powerpoint/2010/main" val="1328720478"/>
+        <p14:creationId xmlns:p14="http://schemas.microsoft.com/office/powerpoint/2010/main" val="1133151342"/>
       </p:ext>
     </p:extLst>
   </p:cSld>
@@ -5253,12 +5959,121 @@
           <a:chExt cx="0" cy="0"/>
         </a:xfrm>
       </p:grpSpPr>
+      <p:sp>
+        <p:nvSpPr>
+          <p:cNvPr id="4" name="TextBox 3">
+            <a:extLst>
+              <a:ext uri="{FF2B5EF4-FFF2-40B4-BE49-F238E27FC236}">
+                <a16:creationId xmlns:a16="http://schemas.microsoft.com/office/drawing/2014/main" id="{083FBBF3-4E40-46C5-B858-3759171FF255}"/>
+              </a:ext>
+            </a:extLst>
+          </p:cNvPr>
+          <p:cNvSpPr txBox="1"/>
+          <p:nvPr/>
+        </p:nvSpPr>
+        <p:spPr>
+          <a:xfrm>
+            <a:off x="5493912" y="2693505"/>
+            <a:ext cx="1204176" cy="523220"/>
+          </a:xfrm>
+          <a:prstGeom prst="rect">
+            <a:avLst/>
+          </a:prstGeom>
+          <a:noFill/>
+        </p:spPr>
+        <p:txBody>
+          <a:bodyPr wrap="none" rtlCol="0">
+            <a:spAutoFit/>
+          </a:bodyPr>
+          <a:lstStyle/>
+          <a:p>
+            <a:pPr marL="0" marR="0" lvl="0" indent="0" algn="l" defTabSz="914400" rtl="0" eaLnBrk="1" fontAlgn="auto" latinLnBrk="0" hangingPunct="1">
+              <a:lnSpc>
+                <a:spcPct val="100000"/>
+              </a:lnSpc>
+              <a:spcBef>
+                <a:spcPts val="0"/>
+              </a:spcBef>
+              <a:spcAft>
+                <a:spcPts val="0"/>
+              </a:spcAft>
+              <a:buClrTx/>
+              <a:buSzTx/>
+              <a:buFontTx/>
+              <a:buNone/>
+              <a:tabLst/>
+              <a:defRPr/>
+            </a:pPr>
+            <a:r>
+              <a:rPr kumimoji="0" lang="en-IN" sz="2800" b="0" i="0" u="none" strike="noStrike" kern="1200" cap="none" spc="0" normalizeH="0" baseline="0" noProof="0" dirty="0">
+                <a:ln>
+                  <a:noFill/>
+                </a:ln>
+                <a:solidFill>
+                  <a:prstClr val="black"/>
+                </a:solidFill>
+                <a:effectLst/>
+                <a:uLnTx/>
+                <a:uFillTx/>
+                <a:latin typeface="Calibri" panose="020F0502020204030204"/>
+                <a:ea typeface="+mn-ea"/>
+                <a:cs typeface="+mn-cs"/>
+              </a:rPr>
+              <a:t>Rank( )</a:t>
+            </a:r>
+            <a:endParaRPr kumimoji="0" lang="en-US" sz="2800" b="0" i="0" u="none" strike="noStrike" kern="1200" cap="none" spc="0" normalizeH="0" baseline="0" noProof="0" dirty="0">
+              <a:ln>
+                <a:noFill/>
+              </a:ln>
+              <a:solidFill>
+                <a:prstClr val="black"/>
+              </a:solidFill>
+              <a:effectLst/>
+              <a:uLnTx/>
+              <a:uFillTx/>
+              <a:latin typeface="Calibri" panose="020F0502020204030204"/>
+              <a:ea typeface="+mn-ea"/>
+              <a:cs typeface="+mn-cs"/>
+            </a:endParaRPr>
+          </a:p>
+        </p:txBody>
+      </p:sp>
+    </p:spTree>
+    <p:extLst>
+      <p:ext uri="{BB962C8B-B14F-4D97-AF65-F5344CB8AC3E}">
+        <p14:creationId xmlns:p14="http://schemas.microsoft.com/office/powerpoint/2010/main" val="1328720478"/>
+      </p:ext>
+    </p:extLst>
+  </p:cSld>
+  <p:clrMapOvr>
+    <a:masterClrMapping/>
+  </p:clrMapOvr>
+</p:sld>
+</file>
+
+<file path=ppt/slides/slide8.xml><?xml version="1.0" encoding="utf-8"?>
+<p:sld xmlns:a="http://schemas.openxmlformats.org/drawingml/2006/main" xmlns:r="http://schemas.openxmlformats.org/officeDocument/2006/relationships" xmlns:p="http://schemas.openxmlformats.org/presentationml/2006/main">
+  <p:cSld>
+    <p:spTree>
+      <p:nvGrpSpPr>
+        <p:cNvPr id="1" name=""/>
+        <p:cNvGrpSpPr/>
+        <p:nvPr/>
+      </p:nvGrpSpPr>
+      <p:grpSpPr>
+        <a:xfrm>
+          <a:off x="0" y="0"/>
+          <a:ext cx="0" cy="0"/>
+          <a:chOff x="0" y="0"/>
+          <a:chExt cx="0" cy="0"/>
+        </a:xfrm>
+      </p:grpSpPr>
       <p:pic>
         <p:nvPicPr>
           <p:cNvPr id="3" name="Picture 2">
             <a:extLst>
               <a:ext uri="{FF2B5EF4-FFF2-40B4-BE49-F238E27FC236}">
-                <a16:creationId xmlns="" xmlns:a16="http://schemas.microsoft.com/office/drawing/2014/main" id="{4759E1EE-9DFC-4EFE-B1EB-38EFCC4381AF}"/>
+                <a16:creationId xmlns:a16="http://schemas.microsoft.com/office/drawing/2014/main" id="{4759E1EE-9DFC-4EFE-B1EB-38EFCC4381AF}"/>
               </a:ext>
             </a:extLst>
           </p:cNvPr>
@@ -5288,7 +6103,7 @@
           <p:cNvPr id="5" name="Picture 4">
             <a:extLst>
               <a:ext uri="{FF2B5EF4-FFF2-40B4-BE49-F238E27FC236}">
-                <a16:creationId xmlns="" xmlns:a16="http://schemas.microsoft.com/office/drawing/2014/main" id="{A0F6D79D-74A8-4692-BB38-A051E5F2CE2C}"/>
+                <a16:creationId xmlns:a16="http://schemas.microsoft.com/office/drawing/2014/main" id="{A0F6D79D-74A8-4692-BB38-A051E5F2CE2C}"/>
               </a:ext>
             </a:extLst>
           </p:cNvPr>
@@ -5322,7 +6137,7 @@
           <p:cNvPr id="6" name="Rectangle 5">
             <a:extLst>
               <a:ext uri="{FF2B5EF4-FFF2-40B4-BE49-F238E27FC236}">
-                <a16:creationId xmlns="" xmlns:a16="http://schemas.microsoft.com/office/drawing/2014/main" id="{78A2D2F0-C8D2-49E2-BF22-7713F820D6AA}"/>
+                <a16:creationId xmlns:a16="http://schemas.microsoft.com/office/drawing/2014/main" id="{78A2D2F0-C8D2-49E2-BF22-7713F820D6AA}"/>
               </a:ext>
             </a:extLst>
           </p:cNvPr>
@@ -5403,7 +6218,7 @@
           <p:cNvPr id="7" name="Rectangle 6">
             <a:extLst>
               <a:ext uri="{FF2B5EF4-FFF2-40B4-BE49-F238E27FC236}">
-                <a16:creationId xmlns="" xmlns:a16="http://schemas.microsoft.com/office/drawing/2014/main" id="{C74EB9B2-58C1-4025-B35A-5024F013D195}"/>
+                <a16:creationId xmlns:a16="http://schemas.microsoft.com/office/drawing/2014/main" id="{C74EB9B2-58C1-4025-B35A-5024F013D195}"/>
               </a:ext>
             </a:extLst>
           </p:cNvPr>
@@ -5455,7 +6270,7 @@
           <p:cNvPr id="8" name="Rectangle 7">
             <a:extLst>
               <a:ext uri="{FF2B5EF4-FFF2-40B4-BE49-F238E27FC236}">
-                <a16:creationId xmlns="" xmlns:a16="http://schemas.microsoft.com/office/drawing/2014/main" id="{37D7849E-42D5-4E58-AF81-637C07639E0F}"/>
+                <a16:creationId xmlns:a16="http://schemas.microsoft.com/office/drawing/2014/main" id="{37D7849E-42D5-4E58-AF81-637C07639E0F}"/>
               </a:ext>
             </a:extLst>
           </p:cNvPr>
@@ -5507,7 +6322,7 @@
           <p:cNvPr id="9" name="Rectangle 8">
             <a:extLst>
               <a:ext uri="{FF2B5EF4-FFF2-40B4-BE49-F238E27FC236}">
-                <a16:creationId xmlns="" xmlns:a16="http://schemas.microsoft.com/office/drawing/2014/main" id="{B197E246-F529-4812-9B7F-07A92FC93DB0}"/>
+                <a16:creationId xmlns:a16="http://schemas.microsoft.com/office/drawing/2014/main" id="{B197E246-F529-4812-9B7F-07A92FC93DB0}"/>
               </a:ext>
             </a:extLst>
           </p:cNvPr>
@@ -5559,7 +6374,7 @@
           <p:cNvPr id="10" name="Rectangle 9">
             <a:extLst>
               <a:ext uri="{FF2B5EF4-FFF2-40B4-BE49-F238E27FC236}">
-                <a16:creationId xmlns="" xmlns:a16="http://schemas.microsoft.com/office/drawing/2014/main" id="{3BA3F8B0-1435-4BF9-A428-E330FE0CC5E8}"/>
+                <a16:creationId xmlns:a16="http://schemas.microsoft.com/office/drawing/2014/main" id="{3BA3F8B0-1435-4BF9-A428-E330FE0CC5E8}"/>
               </a:ext>
             </a:extLst>
           </p:cNvPr>
@@ -5619,7 +6434,7 @@
 </p:sld>
 </file>
 
-<file path=ppt/slides/slide8.xml><?xml version="1.0" encoding="utf-8"?>
+<file path=ppt/slides/slide9.xml><?xml version="1.0" encoding="utf-8"?>
 <p:sld xmlns:a="http://schemas.openxmlformats.org/drawingml/2006/main" xmlns:r="http://schemas.openxmlformats.org/officeDocument/2006/relationships" xmlns:p="http://schemas.openxmlformats.org/presentationml/2006/main">
   <p:cSld>
     <p:spTree>
@@ -5641,7 +6456,7 @@
           <p:cNvPr id="3" name="Picture 2">
             <a:extLst>
               <a:ext uri="{FF2B5EF4-FFF2-40B4-BE49-F238E27FC236}">
-                <a16:creationId xmlns="" xmlns:a16="http://schemas.microsoft.com/office/drawing/2014/main" id="{62269370-41EF-498B-AA80-5FB9AD0663BE}"/>
+                <a16:creationId xmlns:a16="http://schemas.microsoft.com/office/drawing/2014/main" id="{62269370-41EF-498B-AA80-5FB9AD0663BE}"/>
               </a:ext>
             </a:extLst>
           </p:cNvPr>
@@ -5671,7 +6486,7 @@
           <p:cNvPr id="5" name="Picture 4">
             <a:extLst>
               <a:ext uri="{FF2B5EF4-FFF2-40B4-BE49-F238E27FC236}">
-                <a16:creationId xmlns="" xmlns:a16="http://schemas.microsoft.com/office/drawing/2014/main" id="{B1341182-3145-44D0-BD1A-F8A33CCB4C20}"/>
+                <a16:creationId xmlns:a16="http://schemas.microsoft.com/office/drawing/2014/main" id="{B1341182-3145-44D0-BD1A-F8A33CCB4C20}"/>
               </a:ext>
             </a:extLst>
           </p:cNvPr>
@@ -5705,7 +6520,7 @@
           <p:cNvPr id="6" name="Rectangle 5">
             <a:extLst>
               <a:ext uri="{FF2B5EF4-FFF2-40B4-BE49-F238E27FC236}">
-                <a16:creationId xmlns="" xmlns:a16="http://schemas.microsoft.com/office/drawing/2014/main" id="{0D41E224-853D-4C21-9FA1-AF10377641E9}"/>
+                <a16:creationId xmlns:a16="http://schemas.microsoft.com/office/drawing/2014/main" id="{0D41E224-853D-4C21-9FA1-AF10377641E9}"/>
               </a:ext>
             </a:extLst>
           </p:cNvPr>
@@ -5786,7 +6601,7 @@
           <p:cNvPr id="7" name="Rectangle 6">
             <a:extLst>
               <a:ext uri="{FF2B5EF4-FFF2-40B4-BE49-F238E27FC236}">
-                <a16:creationId xmlns="" xmlns:a16="http://schemas.microsoft.com/office/drawing/2014/main" id="{0965D959-CED0-49B8-BE9E-C1FCDEABACCE}"/>
+                <a16:creationId xmlns:a16="http://schemas.microsoft.com/office/drawing/2014/main" id="{0965D959-CED0-49B8-BE9E-C1FCDEABACCE}"/>
               </a:ext>
             </a:extLst>
           </p:cNvPr>
@@ -5838,7 +6653,7 @@
           <p:cNvPr id="8" name="Rectangle 7">
             <a:extLst>
               <a:ext uri="{FF2B5EF4-FFF2-40B4-BE49-F238E27FC236}">
-                <a16:creationId xmlns="" xmlns:a16="http://schemas.microsoft.com/office/drawing/2014/main" id="{74623FEB-6223-44CA-885A-BAECA4B99341}"/>
+                <a16:creationId xmlns:a16="http://schemas.microsoft.com/office/drawing/2014/main" id="{74623FEB-6223-44CA-885A-BAECA4B99341}"/>
               </a:ext>
             </a:extLst>
           </p:cNvPr>
@@ -5890,7 +6705,7 @@
           <p:cNvPr id="9" name="Rectangle 8">
             <a:extLst>
               <a:ext uri="{FF2B5EF4-FFF2-40B4-BE49-F238E27FC236}">
-                <a16:creationId xmlns="" xmlns:a16="http://schemas.microsoft.com/office/drawing/2014/main" id="{C5BD568F-19AE-450F-9C87-E4A1D6145D89}"/>
+                <a16:creationId xmlns:a16="http://schemas.microsoft.com/office/drawing/2014/main" id="{C5BD568F-19AE-450F-9C87-E4A1D6145D89}"/>
               </a:ext>
             </a:extLst>
           </p:cNvPr>
@@ -5942,7 +6757,7 @@
           <p:cNvPr id="10" name="Rectangle 9">
             <a:extLst>
               <a:ext uri="{FF2B5EF4-FFF2-40B4-BE49-F238E27FC236}">
-                <a16:creationId xmlns="" xmlns:a16="http://schemas.microsoft.com/office/drawing/2014/main" id="{6FA82307-088E-4D00-8ED7-C5B78044139D}"/>
+                <a16:creationId xmlns:a16="http://schemas.microsoft.com/office/drawing/2014/main" id="{6FA82307-088E-4D00-8ED7-C5B78044139D}"/>
               </a:ext>
             </a:extLst>
           </p:cNvPr>
@@ -5994,7 +6809,7 @@
           <p:cNvPr id="11" name="Rectangle 10">
             <a:extLst>
               <a:ext uri="{FF2B5EF4-FFF2-40B4-BE49-F238E27FC236}">
-                <a16:creationId xmlns="" xmlns:a16="http://schemas.microsoft.com/office/drawing/2014/main" id="{E1D5159D-3EB5-42B6-8570-F553F976D3B0}"/>
+                <a16:creationId xmlns:a16="http://schemas.microsoft.com/office/drawing/2014/main" id="{E1D5159D-3EB5-42B6-8570-F553F976D3B0}"/>
               </a:ext>
             </a:extLst>
           </p:cNvPr>
@@ -6046,7 +6861,7 @@
           <p:cNvPr id="12" name="Rectangle 11">
             <a:extLst>
               <a:ext uri="{FF2B5EF4-FFF2-40B4-BE49-F238E27FC236}">
-                <a16:creationId xmlns="" xmlns:a16="http://schemas.microsoft.com/office/drawing/2014/main" id="{D3E42A0E-3EF2-412B-B498-4919EF64A8AC}"/>
+                <a16:creationId xmlns:a16="http://schemas.microsoft.com/office/drawing/2014/main" id="{D3E42A0E-3EF2-412B-B498-4919EF64A8AC}"/>
               </a:ext>
             </a:extLst>
           </p:cNvPr>
@@ -6098,7 +6913,7 @@
           <p:cNvPr id="13" name="Rectangle 12">
             <a:extLst>
               <a:ext uri="{FF2B5EF4-FFF2-40B4-BE49-F238E27FC236}">
-                <a16:creationId xmlns="" xmlns:a16="http://schemas.microsoft.com/office/drawing/2014/main" id="{762AC6A5-BEF3-4FCF-BE31-E3F2D71416D9}"/>
+                <a16:creationId xmlns:a16="http://schemas.microsoft.com/office/drawing/2014/main" id="{762AC6A5-BEF3-4FCF-BE31-E3F2D71416D9}"/>
               </a:ext>
             </a:extLst>
           </p:cNvPr>
@@ -6150,7 +6965,7 @@
           <p:cNvPr id="14" name="Rectangle 13">
             <a:extLst>
               <a:ext uri="{FF2B5EF4-FFF2-40B4-BE49-F238E27FC236}">
-                <a16:creationId xmlns="" xmlns:a16="http://schemas.microsoft.com/office/drawing/2014/main" id="{B76F4B70-5CD2-471C-9436-1B75A4E5EE75}"/>
+                <a16:creationId xmlns:a16="http://schemas.microsoft.com/office/drawing/2014/main" id="{B76F4B70-5CD2-471C-9436-1B75A4E5EE75}"/>
               </a:ext>
             </a:extLst>
           </p:cNvPr>
@@ -6201,36 +7016,6 @@
     <p:extLst>
       <p:ext uri="{BB962C8B-B14F-4D97-AF65-F5344CB8AC3E}">
         <p14:creationId xmlns:p14="http://schemas.microsoft.com/office/powerpoint/2010/main" val="4282037848"/>
-      </p:ext>
-    </p:extLst>
-  </p:cSld>
-  <p:clrMapOvr>
-    <a:masterClrMapping/>
-  </p:clrMapOvr>
-</p:sld>
-</file>
-
-<file path=ppt/slides/slide9.xml><?xml version="1.0" encoding="utf-8"?>
-<p:sld xmlns:a="http://schemas.openxmlformats.org/drawingml/2006/main" xmlns:r="http://schemas.openxmlformats.org/officeDocument/2006/relationships" xmlns:p="http://schemas.openxmlformats.org/presentationml/2006/main">
-  <p:cSld>
-    <p:spTree>
-      <p:nvGrpSpPr>
-        <p:cNvPr id="1" name=""/>
-        <p:cNvGrpSpPr/>
-        <p:nvPr/>
-      </p:nvGrpSpPr>
-      <p:grpSpPr>
-        <a:xfrm>
-          <a:off x="0" y="0"/>
-          <a:ext cx="0" cy="0"/>
-          <a:chOff x="0" y="0"/>
-          <a:chExt cx="0" cy="0"/>
-        </a:xfrm>
-      </p:grpSpPr>
-    </p:spTree>
-    <p:extLst>
-      <p:ext uri="{BB962C8B-B14F-4D97-AF65-F5344CB8AC3E}">
-        <p14:creationId xmlns:p14="http://schemas.microsoft.com/office/powerpoint/2010/main" val="3158131621"/>
       </p:ext>
     </p:extLst>
   </p:cSld>
